--- a/SPRING/스프링퀵스타트/day02.pptx
+++ b/SPRING/스프링퀵스타트/day02.pptx
@@ -154,7 +154,7 @@
   </p:defaultTextStyle>
   <p:extLst>
     <p:ext uri="{EFAFB233-063F-42B5-8137-9DF3F51BA10A}">
-      <p15:sldGuideLst xmlns:p15="http://schemas.microsoft.com/office/powerpoint/2012/main"/>
+      <p15:sldGuideLst xmlns:p15="http://schemas.microsoft.com/office/powerpoint/2012/main" xmlns=""/>
     </p:ext>
   </p:extLst>
 </p:presentation>
@@ -291,7 +291,8 @@
           <a:p>
             <a:fld id="{DFC765C5-6852-43C5-8B75-F362625B4446}" type="datetimeFigureOut">
               <a:rPr lang="ko-KR" altLang="en-US" smtClean="0"/>
-              <a:t>2017-07-19</a:t>
+              <a:pPr/>
+              <a:t>2020-08-11</a:t>
             </a:fld>
             <a:endParaRPr lang="ko-KR" altLang="en-US"/>
           </a:p>
@@ -333,6 +334,7 @@
           <a:p>
             <a:fld id="{E2CD9915-DDE7-4A34-8E50-8F977B8B2C1E}" type="slidenum">
               <a:rPr lang="ko-KR" altLang="en-US" smtClean="0"/>
+              <a:pPr/>
               <a:t>‹#›</a:t>
             </a:fld>
             <a:endParaRPr lang="ko-KR" altLang="en-US"/>
@@ -342,7 +344,7 @@
     </p:spTree>
     <p:extLst>
       <p:ext uri="{BB962C8B-B14F-4D97-AF65-F5344CB8AC3E}">
-        <p14:creationId xmlns:p14="http://schemas.microsoft.com/office/powerpoint/2010/main" val="322192405"/>
+        <p14:creationId xmlns:p14="http://schemas.microsoft.com/office/powerpoint/2010/main" xmlns="" val="322192405"/>
       </p:ext>
     </p:extLst>
   </p:cSld>
@@ -461,7 +463,8 @@
           <a:p>
             <a:fld id="{DFC765C5-6852-43C5-8B75-F362625B4446}" type="datetimeFigureOut">
               <a:rPr lang="ko-KR" altLang="en-US" smtClean="0"/>
-              <a:t>2017-07-19</a:t>
+              <a:pPr/>
+              <a:t>2020-08-11</a:t>
             </a:fld>
             <a:endParaRPr lang="ko-KR" altLang="en-US"/>
           </a:p>
@@ -503,6 +506,7 @@
           <a:p>
             <a:fld id="{E2CD9915-DDE7-4A34-8E50-8F977B8B2C1E}" type="slidenum">
               <a:rPr lang="ko-KR" altLang="en-US" smtClean="0"/>
+              <a:pPr/>
               <a:t>‹#›</a:t>
             </a:fld>
             <a:endParaRPr lang="ko-KR" altLang="en-US"/>
@@ -512,7 +516,7 @@
     </p:spTree>
     <p:extLst>
       <p:ext uri="{BB962C8B-B14F-4D97-AF65-F5344CB8AC3E}">
-        <p14:creationId xmlns:p14="http://schemas.microsoft.com/office/powerpoint/2010/main" val="3118764789"/>
+        <p14:creationId xmlns:p14="http://schemas.microsoft.com/office/powerpoint/2010/main" xmlns="" val="3118764789"/>
       </p:ext>
     </p:extLst>
   </p:cSld>
@@ -641,7 +645,8 @@
           <a:p>
             <a:fld id="{DFC765C5-6852-43C5-8B75-F362625B4446}" type="datetimeFigureOut">
               <a:rPr lang="ko-KR" altLang="en-US" smtClean="0"/>
-              <a:t>2017-07-19</a:t>
+              <a:pPr/>
+              <a:t>2020-08-11</a:t>
             </a:fld>
             <a:endParaRPr lang="ko-KR" altLang="en-US"/>
           </a:p>
@@ -683,6 +688,7 @@
           <a:p>
             <a:fld id="{E2CD9915-DDE7-4A34-8E50-8F977B8B2C1E}" type="slidenum">
               <a:rPr lang="ko-KR" altLang="en-US" smtClean="0"/>
+              <a:pPr/>
               <a:t>‹#›</a:t>
             </a:fld>
             <a:endParaRPr lang="ko-KR" altLang="en-US"/>
@@ -692,7 +698,7 @@
     </p:spTree>
     <p:extLst>
       <p:ext uri="{BB962C8B-B14F-4D97-AF65-F5344CB8AC3E}">
-        <p14:creationId xmlns:p14="http://schemas.microsoft.com/office/powerpoint/2010/main" val="1668160763"/>
+        <p14:creationId xmlns:p14="http://schemas.microsoft.com/office/powerpoint/2010/main" xmlns="" val="1668160763"/>
       </p:ext>
     </p:extLst>
   </p:cSld>
@@ -811,7 +817,8 @@
           <a:p>
             <a:fld id="{DFC765C5-6852-43C5-8B75-F362625B4446}" type="datetimeFigureOut">
               <a:rPr lang="ko-KR" altLang="en-US" smtClean="0"/>
-              <a:t>2017-07-19</a:t>
+              <a:pPr/>
+              <a:t>2020-08-11</a:t>
             </a:fld>
             <a:endParaRPr lang="ko-KR" altLang="en-US"/>
           </a:p>
@@ -853,6 +860,7 @@
           <a:p>
             <a:fld id="{E2CD9915-DDE7-4A34-8E50-8F977B8B2C1E}" type="slidenum">
               <a:rPr lang="ko-KR" altLang="en-US" smtClean="0"/>
+              <a:pPr/>
               <a:t>‹#›</a:t>
             </a:fld>
             <a:endParaRPr lang="ko-KR" altLang="en-US"/>
@@ -862,7 +870,7 @@
     </p:spTree>
     <p:extLst>
       <p:ext uri="{BB962C8B-B14F-4D97-AF65-F5344CB8AC3E}">
-        <p14:creationId xmlns:p14="http://schemas.microsoft.com/office/powerpoint/2010/main" val="2646594149"/>
+        <p14:creationId xmlns:p14="http://schemas.microsoft.com/office/powerpoint/2010/main" xmlns="" val="2646594149"/>
       </p:ext>
     </p:extLst>
   </p:cSld>
@@ -1057,7 +1065,8 @@
           <a:p>
             <a:fld id="{DFC765C5-6852-43C5-8B75-F362625B4446}" type="datetimeFigureOut">
               <a:rPr lang="ko-KR" altLang="en-US" smtClean="0"/>
-              <a:t>2017-07-19</a:t>
+              <a:pPr/>
+              <a:t>2020-08-11</a:t>
             </a:fld>
             <a:endParaRPr lang="ko-KR" altLang="en-US"/>
           </a:p>
@@ -1099,6 +1108,7 @@
           <a:p>
             <a:fld id="{E2CD9915-DDE7-4A34-8E50-8F977B8B2C1E}" type="slidenum">
               <a:rPr lang="ko-KR" altLang="en-US" smtClean="0"/>
+              <a:pPr/>
               <a:t>‹#›</a:t>
             </a:fld>
             <a:endParaRPr lang="ko-KR" altLang="en-US"/>
@@ -1108,7 +1118,7 @@
     </p:spTree>
     <p:extLst>
       <p:ext uri="{BB962C8B-B14F-4D97-AF65-F5344CB8AC3E}">
-        <p14:creationId xmlns:p14="http://schemas.microsoft.com/office/powerpoint/2010/main" val="2520129013"/>
+        <p14:creationId xmlns:p14="http://schemas.microsoft.com/office/powerpoint/2010/main" xmlns="" val="2520129013"/>
       </p:ext>
     </p:extLst>
   </p:cSld>
@@ -1289,7 +1299,8 @@
           <a:p>
             <a:fld id="{DFC765C5-6852-43C5-8B75-F362625B4446}" type="datetimeFigureOut">
               <a:rPr lang="ko-KR" altLang="en-US" smtClean="0"/>
-              <a:t>2017-07-19</a:t>
+              <a:pPr/>
+              <a:t>2020-08-11</a:t>
             </a:fld>
             <a:endParaRPr lang="ko-KR" altLang="en-US"/>
           </a:p>
@@ -1331,6 +1342,7 @@
           <a:p>
             <a:fld id="{E2CD9915-DDE7-4A34-8E50-8F977B8B2C1E}" type="slidenum">
               <a:rPr lang="ko-KR" altLang="en-US" smtClean="0"/>
+              <a:pPr/>
               <a:t>‹#›</a:t>
             </a:fld>
             <a:endParaRPr lang="ko-KR" altLang="en-US"/>
@@ -1340,7 +1352,7 @@
     </p:spTree>
     <p:extLst>
       <p:ext uri="{BB962C8B-B14F-4D97-AF65-F5344CB8AC3E}">
-        <p14:creationId xmlns:p14="http://schemas.microsoft.com/office/powerpoint/2010/main" val="261802823"/>
+        <p14:creationId xmlns:p14="http://schemas.microsoft.com/office/powerpoint/2010/main" xmlns="" val="261802823"/>
       </p:ext>
     </p:extLst>
   </p:cSld>
@@ -1656,7 +1668,8 @@
           <a:p>
             <a:fld id="{DFC765C5-6852-43C5-8B75-F362625B4446}" type="datetimeFigureOut">
               <a:rPr lang="ko-KR" altLang="en-US" smtClean="0"/>
-              <a:t>2017-07-19</a:t>
+              <a:pPr/>
+              <a:t>2020-08-11</a:t>
             </a:fld>
             <a:endParaRPr lang="ko-KR" altLang="en-US"/>
           </a:p>
@@ -1698,6 +1711,7 @@
           <a:p>
             <a:fld id="{E2CD9915-DDE7-4A34-8E50-8F977B8B2C1E}" type="slidenum">
               <a:rPr lang="ko-KR" altLang="en-US" smtClean="0"/>
+              <a:pPr/>
               <a:t>‹#›</a:t>
             </a:fld>
             <a:endParaRPr lang="ko-KR" altLang="en-US"/>
@@ -1707,7 +1721,7 @@
     </p:spTree>
     <p:extLst>
       <p:ext uri="{BB962C8B-B14F-4D97-AF65-F5344CB8AC3E}">
-        <p14:creationId xmlns:p14="http://schemas.microsoft.com/office/powerpoint/2010/main" val="1834399053"/>
+        <p14:creationId xmlns:p14="http://schemas.microsoft.com/office/powerpoint/2010/main" xmlns="" val="1834399053"/>
       </p:ext>
     </p:extLst>
   </p:cSld>
@@ -1774,7 +1788,8 @@
           <a:p>
             <a:fld id="{DFC765C5-6852-43C5-8B75-F362625B4446}" type="datetimeFigureOut">
               <a:rPr lang="ko-KR" altLang="en-US" smtClean="0"/>
-              <a:t>2017-07-19</a:t>
+              <a:pPr/>
+              <a:t>2020-08-11</a:t>
             </a:fld>
             <a:endParaRPr lang="ko-KR" altLang="en-US"/>
           </a:p>
@@ -1816,6 +1831,7 @@
           <a:p>
             <a:fld id="{E2CD9915-DDE7-4A34-8E50-8F977B8B2C1E}" type="slidenum">
               <a:rPr lang="ko-KR" altLang="en-US" smtClean="0"/>
+              <a:pPr/>
               <a:t>‹#›</a:t>
             </a:fld>
             <a:endParaRPr lang="ko-KR" altLang="en-US"/>
@@ -1825,7 +1841,7 @@
     </p:spTree>
     <p:extLst>
       <p:ext uri="{BB962C8B-B14F-4D97-AF65-F5344CB8AC3E}">
-        <p14:creationId xmlns:p14="http://schemas.microsoft.com/office/powerpoint/2010/main" val="2946326045"/>
+        <p14:creationId xmlns:p14="http://schemas.microsoft.com/office/powerpoint/2010/main" xmlns="" val="2946326045"/>
       </p:ext>
     </p:extLst>
   </p:cSld>
@@ -1869,7 +1885,8 @@
           <a:p>
             <a:fld id="{DFC765C5-6852-43C5-8B75-F362625B4446}" type="datetimeFigureOut">
               <a:rPr lang="ko-KR" altLang="en-US" smtClean="0"/>
-              <a:t>2017-07-19</a:t>
+              <a:pPr/>
+              <a:t>2020-08-11</a:t>
             </a:fld>
             <a:endParaRPr lang="ko-KR" altLang="en-US"/>
           </a:p>
@@ -1911,6 +1928,7 @@
           <a:p>
             <a:fld id="{E2CD9915-DDE7-4A34-8E50-8F977B8B2C1E}" type="slidenum">
               <a:rPr lang="ko-KR" altLang="en-US" smtClean="0"/>
+              <a:pPr/>
               <a:t>‹#›</a:t>
             </a:fld>
             <a:endParaRPr lang="ko-KR" altLang="en-US"/>
@@ -1920,7 +1938,7 @@
     </p:spTree>
     <p:extLst>
       <p:ext uri="{BB962C8B-B14F-4D97-AF65-F5344CB8AC3E}">
-        <p14:creationId xmlns:p14="http://schemas.microsoft.com/office/powerpoint/2010/main" val="1953741546"/>
+        <p14:creationId xmlns:p14="http://schemas.microsoft.com/office/powerpoint/2010/main" xmlns="" val="1953741546"/>
       </p:ext>
     </p:extLst>
   </p:cSld>
@@ -2146,7 +2164,8 @@
           <a:p>
             <a:fld id="{DFC765C5-6852-43C5-8B75-F362625B4446}" type="datetimeFigureOut">
               <a:rPr lang="ko-KR" altLang="en-US" smtClean="0"/>
-              <a:t>2017-07-19</a:t>
+              <a:pPr/>
+              <a:t>2020-08-11</a:t>
             </a:fld>
             <a:endParaRPr lang="ko-KR" altLang="en-US"/>
           </a:p>
@@ -2188,6 +2207,7 @@
           <a:p>
             <a:fld id="{E2CD9915-DDE7-4A34-8E50-8F977B8B2C1E}" type="slidenum">
               <a:rPr lang="ko-KR" altLang="en-US" smtClean="0"/>
+              <a:pPr/>
               <a:t>‹#›</a:t>
             </a:fld>
             <a:endParaRPr lang="ko-KR" altLang="en-US"/>
@@ -2197,7 +2217,7 @@
     </p:spTree>
     <p:extLst>
       <p:ext uri="{BB962C8B-B14F-4D97-AF65-F5344CB8AC3E}">
-        <p14:creationId xmlns:p14="http://schemas.microsoft.com/office/powerpoint/2010/main" val="583248002"/>
+        <p14:creationId xmlns:p14="http://schemas.microsoft.com/office/powerpoint/2010/main" xmlns="" val="583248002"/>
       </p:ext>
     </p:extLst>
   </p:cSld>
@@ -2399,7 +2419,8 @@
           <a:p>
             <a:fld id="{DFC765C5-6852-43C5-8B75-F362625B4446}" type="datetimeFigureOut">
               <a:rPr lang="ko-KR" altLang="en-US" smtClean="0"/>
-              <a:t>2017-07-19</a:t>
+              <a:pPr/>
+              <a:t>2020-08-11</a:t>
             </a:fld>
             <a:endParaRPr lang="ko-KR" altLang="en-US"/>
           </a:p>
@@ -2441,6 +2462,7 @@
           <a:p>
             <a:fld id="{E2CD9915-DDE7-4A34-8E50-8F977B8B2C1E}" type="slidenum">
               <a:rPr lang="ko-KR" altLang="en-US" smtClean="0"/>
+              <a:pPr/>
               <a:t>‹#›</a:t>
             </a:fld>
             <a:endParaRPr lang="ko-KR" altLang="en-US"/>
@@ -2450,7 +2472,7 @@
     </p:spTree>
     <p:extLst>
       <p:ext uri="{BB962C8B-B14F-4D97-AF65-F5344CB8AC3E}">
-        <p14:creationId xmlns:p14="http://schemas.microsoft.com/office/powerpoint/2010/main" val="2365011734"/>
+        <p14:creationId xmlns:p14="http://schemas.microsoft.com/office/powerpoint/2010/main" xmlns="" val="2365011734"/>
       </p:ext>
     </p:extLst>
   </p:cSld>
@@ -2612,7 +2634,8 @@
           <a:p>
             <a:fld id="{DFC765C5-6852-43C5-8B75-F362625B4446}" type="datetimeFigureOut">
               <a:rPr lang="ko-KR" altLang="en-US" smtClean="0"/>
-              <a:t>2017-07-19</a:t>
+              <a:pPr/>
+              <a:t>2020-08-11</a:t>
             </a:fld>
             <a:endParaRPr lang="ko-KR" altLang="en-US"/>
           </a:p>
@@ -2690,6 +2713,7 @@
           <a:p>
             <a:fld id="{E2CD9915-DDE7-4A34-8E50-8F977B8B2C1E}" type="slidenum">
               <a:rPr lang="ko-KR" altLang="en-US" smtClean="0"/>
+              <a:pPr/>
               <a:t>‹#›</a:t>
             </a:fld>
             <a:endParaRPr lang="ko-KR" altLang="en-US"/>
@@ -2699,7 +2723,7 @@
     </p:spTree>
     <p:extLst>
       <p:ext uri="{BB962C8B-B14F-4D97-AF65-F5344CB8AC3E}">
-        <p14:creationId xmlns:p14="http://schemas.microsoft.com/office/powerpoint/2010/main" val="2331199195"/>
+        <p14:creationId xmlns:p14="http://schemas.microsoft.com/office/powerpoint/2010/main" xmlns="" val="2331199195"/>
       </p:ext>
     </p:extLst>
   </p:cSld>
@@ -3076,13 +3100,20 @@
     </p:spTree>
     <p:extLst>
       <p:ext uri="{BB962C8B-B14F-4D97-AF65-F5344CB8AC3E}">
-        <p14:creationId xmlns:p14="http://schemas.microsoft.com/office/powerpoint/2010/main" val="5728004"/>
+        <p14:creationId xmlns:p14="http://schemas.microsoft.com/office/powerpoint/2010/main" xmlns="" val="5728004"/>
       </p:ext>
     </p:extLst>
   </p:cSld>
   <p:clrMapOvr>
     <a:masterClrMapping/>
   </p:clrMapOvr>
+  <p:timing>
+    <p:tnLst>
+      <p:par>
+        <p:cTn id="1" dur="indefinite" restart="never" nodeType="tmRoot"/>
+      </p:par>
+    </p:tnLst>
+  </p:timing>
 </p:sld>
 </file>
 
@@ -3225,13 +3256,20 @@
     </p:spTree>
     <p:extLst>
       <p:ext uri="{BB962C8B-B14F-4D97-AF65-F5344CB8AC3E}">
-        <p14:creationId xmlns:p14="http://schemas.microsoft.com/office/powerpoint/2010/main" val="1723169021"/>
+        <p14:creationId xmlns:p14="http://schemas.microsoft.com/office/powerpoint/2010/main" xmlns="" val="1723169021"/>
       </p:ext>
     </p:extLst>
   </p:cSld>
   <p:clrMapOvr>
     <a:masterClrMapping/>
   </p:clrMapOvr>
+  <p:timing>
+    <p:tnLst>
+      <p:par>
+        <p:cTn id="1" dur="indefinite" restart="never" nodeType="tmRoot"/>
+      </p:par>
+    </p:tnLst>
+  </p:timing>
 </p:sld>
 </file>
 
@@ -3355,7 +3393,7 @@
           <a:blip r:embed="rId2">
             <a:extLst>
               <a:ext uri="{28A0092B-C50C-407E-A947-70E740481C1C}">
-                <a14:useLocalDpi xmlns:a14="http://schemas.microsoft.com/office/drawing/2010/main" val="0"/>
+                <a14:useLocalDpi xmlns:a14="http://schemas.microsoft.com/office/drawing/2010/main" xmlns="" val="0"/>
               </a:ext>
             </a:extLst>
           </a:blip>
@@ -3378,14 +3416,14 @@
           </a:ln>
           <a:extLst>
             <a:ext uri="{909E8E84-426E-40DD-AFC4-6F175D3DCCD1}">
-              <a14:hiddenFill xmlns:a14="http://schemas.microsoft.com/office/drawing/2010/main">
+              <a14:hiddenFill xmlns:a14="http://schemas.microsoft.com/office/drawing/2010/main" xmlns="">
                 <a:solidFill>
                   <a:srgbClr val="FFFFFF"/>
                 </a:solidFill>
               </a14:hiddenFill>
             </a:ext>
             <a:ext uri="{91240B29-F687-4F45-9708-019B960494DF}">
-              <a14:hiddenLine xmlns:a14="http://schemas.microsoft.com/office/drawing/2010/main" w="9525">
+              <a14:hiddenLine xmlns:a14="http://schemas.microsoft.com/office/drawing/2010/main" xmlns="" w="9525">
                 <a:solidFill>
                   <a:srgbClr val="000000"/>
                 </a:solidFill>
@@ -3400,13 +3438,20 @@
     </p:spTree>
     <p:extLst>
       <p:ext uri="{BB962C8B-B14F-4D97-AF65-F5344CB8AC3E}">
-        <p14:creationId xmlns:p14="http://schemas.microsoft.com/office/powerpoint/2010/main" val="4209455626"/>
+        <p14:creationId xmlns:p14="http://schemas.microsoft.com/office/powerpoint/2010/main" xmlns="" val="4209455626"/>
       </p:ext>
     </p:extLst>
   </p:cSld>
   <p:clrMapOvr>
     <a:masterClrMapping/>
   </p:clrMapOvr>
+  <p:timing>
+    <p:tnLst>
+      <p:par>
+        <p:cTn id="1" dur="indefinite" restart="never" nodeType="tmRoot"/>
+      </p:par>
+    </p:tnLst>
+  </p:timing>
 </p:sld>
 </file>
 
@@ -3548,13 +3593,20 @@
     </p:spTree>
     <p:extLst>
       <p:ext uri="{BB962C8B-B14F-4D97-AF65-F5344CB8AC3E}">
-        <p14:creationId xmlns:p14="http://schemas.microsoft.com/office/powerpoint/2010/main" val="2528901067"/>
+        <p14:creationId xmlns:p14="http://schemas.microsoft.com/office/powerpoint/2010/main" xmlns="" val="2528901067"/>
       </p:ext>
     </p:extLst>
   </p:cSld>
   <p:clrMapOvr>
     <a:masterClrMapping/>
   </p:clrMapOvr>
+  <p:timing>
+    <p:tnLst>
+      <p:par>
+        <p:cTn id="1" dur="indefinite" restart="never" nodeType="tmRoot"/>
+      </p:par>
+    </p:tnLst>
+  </p:timing>
 </p:sld>
 </file>
 
@@ -3615,7 +3667,7 @@
           <a:blip r:embed="rId2">
             <a:extLst>
               <a:ext uri="{28A0092B-C50C-407E-A947-70E740481C1C}">
-                <a14:useLocalDpi xmlns:a14="http://schemas.microsoft.com/office/drawing/2010/main" val="0"/>
+                <a14:useLocalDpi xmlns:a14="http://schemas.microsoft.com/office/drawing/2010/main" xmlns="" val="0"/>
               </a:ext>
             </a:extLst>
           </a:blip>
@@ -3638,14 +3690,14 @@
           </a:ln>
           <a:extLst>
             <a:ext uri="{909E8E84-426E-40DD-AFC4-6F175D3DCCD1}">
-              <a14:hiddenFill xmlns:a14="http://schemas.microsoft.com/office/drawing/2010/main">
+              <a14:hiddenFill xmlns:a14="http://schemas.microsoft.com/office/drawing/2010/main" xmlns="">
                 <a:solidFill>
                   <a:srgbClr val="FFFFFF"/>
                 </a:solidFill>
               </a14:hiddenFill>
             </a:ext>
             <a:ext uri="{91240B29-F687-4F45-9708-019B960494DF}">
-              <a14:hiddenLine xmlns:a14="http://schemas.microsoft.com/office/drawing/2010/main" w="9525">
+              <a14:hiddenLine xmlns:a14="http://schemas.microsoft.com/office/drawing/2010/main" xmlns="" w="9525">
                 <a:solidFill>
                   <a:srgbClr val="000000"/>
                 </a:solidFill>
@@ -3660,13 +3712,20 @@
     </p:spTree>
     <p:extLst>
       <p:ext uri="{BB962C8B-B14F-4D97-AF65-F5344CB8AC3E}">
-        <p14:creationId xmlns:p14="http://schemas.microsoft.com/office/powerpoint/2010/main" val="7127473"/>
+        <p14:creationId xmlns:p14="http://schemas.microsoft.com/office/powerpoint/2010/main" xmlns="" val="7127473"/>
       </p:ext>
     </p:extLst>
   </p:cSld>
   <p:clrMapOvr>
     <a:masterClrMapping/>
   </p:clrMapOvr>
+  <p:timing>
+    <p:tnLst>
+      <p:par>
+        <p:cTn id="1" dur="indefinite" restart="never" nodeType="tmRoot"/>
+      </p:par>
+    </p:tnLst>
+  </p:timing>
 </p:sld>
 </file>
 
@@ -3731,7 +3790,7 @@
           <a:blip r:embed="rId2">
             <a:extLst>
               <a:ext uri="{28A0092B-C50C-407E-A947-70E740481C1C}">
-                <a14:useLocalDpi xmlns:a14="http://schemas.microsoft.com/office/drawing/2010/main" val="0"/>
+                <a14:useLocalDpi xmlns:a14="http://schemas.microsoft.com/office/drawing/2010/main" xmlns="" val="0"/>
               </a:ext>
             </a:extLst>
           </a:blip>
@@ -3754,14 +3813,14 @@
           </a:ln>
           <a:extLst>
             <a:ext uri="{909E8E84-426E-40DD-AFC4-6F175D3DCCD1}">
-              <a14:hiddenFill xmlns:a14="http://schemas.microsoft.com/office/drawing/2010/main">
+              <a14:hiddenFill xmlns:a14="http://schemas.microsoft.com/office/drawing/2010/main" xmlns="">
                 <a:solidFill>
                   <a:srgbClr val="FFFFFF"/>
                 </a:solidFill>
               </a14:hiddenFill>
             </a:ext>
             <a:ext uri="{91240B29-F687-4F45-9708-019B960494DF}">
-              <a14:hiddenLine xmlns:a14="http://schemas.microsoft.com/office/drawing/2010/main" w="9525">
+              <a14:hiddenLine xmlns:a14="http://schemas.microsoft.com/office/drawing/2010/main" xmlns="" w="9525">
                 <a:solidFill>
                   <a:srgbClr val="000000"/>
                 </a:solidFill>
@@ -3776,13 +3835,20 @@
     </p:spTree>
     <p:extLst>
       <p:ext uri="{BB962C8B-B14F-4D97-AF65-F5344CB8AC3E}">
-        <p14:creationId xmlns:p14="http://schemas.microsoft.com/office/powerpoint/2010/main" val="2010460383"/>
+        <p14:creationId xmlns:p14="http://schemas.microsoft.com/office/powerpoint/2010/main" xmlns="" val="2010460383"/>
       </p:ext>
     </p:extLst>
   </p:cSld>
   <p:clrMapOvr>
     <a:masterClrMapping/>
   </p:clrMapOvr>
+  <p:timing>
+    <p:tnLst>
+      <p:par>
+        <p:cTn id="1" dur="indefinite" restart="never" nodeType="tmRoot"/>
+      </p:par>
+    </p:tnLst>
+  </p:timing>
 </p:sld>
 </file>
 
@@ -3851,7 +3917,7 @@
           <a:blip r:embed="rId2">
             <a:extLst>
               <a:ext uri="{28A0092B-C50C-407E-A947-70E740481C1C}">
-                <a14:useLocalDpi xmlns:a14="http://schemas.microsoft.com/office/drawing/2010/main" val="0"/>
+                <a14:useLocalDpi xmlns:a14="http://schemas.microsoft.com/office/drawing/2010/main" xmlns="" val="0"/>
               </a:ext>
             </a:extLst>
           </a:blip>
@@ -3874,14 +3940,14 @@
           </a:ln>
           <a:extLst>
             <a:ext uri="{909E8E84-426E-40DD-AFC4-6F175D3DCCD1}">
-              <a14:hiddenFill xmlns:a14="http://schemas.microsoft.com/office/drawing/2010/main">
+              <a14:hiddenFill xmlns:a14="http://schemas.microsoft.com/office/drawing/2010/main" xmlns="">
                 <a:solidFill>
                   <a:srgbClr val="FFFFFF"/>
                 </a:solidFill>
               </a14:hiddenFill>
             </a:ext>
             <a:ext uri="{91240B29-F687-4F45-9708-019B960494DF}">
-              <a14:hiddenLine xmlns:a14="http://schemas.microsoft.com/office/drawing/2010/main" w="9525">
+              <a14:hiddenLine xmlns:a14="http://schemas.microsoft.com/office/drawing/2010/main" xmlns="" w="9525">
                 <a:solidFill>
                   <a:srgbClr val="000000"/>
                 </a:solidFill>
@@ -3896,13 +3962,20 @@
     </p:spTree>
     <p:extLst>
       <p:ext uri="{BB962C8B-B14F-4D97-AF65-F5344CB8AC3E}">
-        <p14:creationId xmlns:p14="http://schemas.microsoft.com/office/powerpoint/2010/main" val="100196296"/>
+        <p14:creationId xmlns:p14="http://schemas.microsoft.com/office/powerpoint/2010/main" xmlns="" val="100196296"/>
       </p:ext>
     </p:extLst>
   </p:cSld>
   <p:clrMapOvr>
     <a:masterClrMapping/>
   </p:clrMapOvr>
+  <p:timing>
+    <p:tnLst>
+      <p:par>
+        <p:cTn id="1" dur="indefinite" restart="never" nodeType="tmRoot"/>
+      </p:par>
+    </p:tnLst>
+  </p:timing>
 </p:sld>
 </file>
 
@@ -3963,13 +4036,20 @@
     </p:spTree>
     <p:extLst>
       <p:ext uri="{BB962C8B-B14F-4D97-AF65-F5344CB8AC3E}">
-        <p14:creationId xmlns:p14="http://schemas.microsoft.com/office/powerpoint/2010/main" val="3058890199"/>
+        <p14:creationId xmlns:p14="http://schemas.microsoft.com/office/powerpoint/2010/main" xmlns="" val="3058890199"/>
       </p:ext>
     </p:extLst>
   </p:cSld>
   <p:clrMapOvr>
     <a:masterClrMapping/>
   </p:clrMapOvr>
+  <p:timing>
+    <p:tnLst>
+      <p:par>
+        <p:cTn id="1" dur="indefinite" restart="never" nodeType="tmRoot"/>
+      </p:par>
+    </p:tnLst>
+  </p:timing>
 </p:sld>
 </file>
 
@@ -4031,7 +4111,7 @@
           <p:nvPr>
             <p:extLst>
               <p:ext uri="{D42A27DB-BD31-4B8C-83A1-F6EECF244321}">
-                <p14:modId xmlns:p14="http://schemas.microsoft.com/office/powerpoint/2010/main" val="1754077288"/>
+                <p14:modId xmlns:p14="http://schemas.microsoft.com/office/powerpoint/2010/main" xmlns="" val="1754077288"/>
               </p:ext>
             </p:extLst>
           </p:nvPr>
@@ -4050,14 +4130,14 @@
                 <a:gridCol w="1695621">
                   <a:extLst>
                     <a:ext uri="{9D8B030D-6E8A-4147-A177-3AD203B41FA5}">
-                      <a16:colId xmlns:a16="http://schemas.microsoft.com/office/drawing/2014/main" val="2704205"/>
+                      <a16:colId xmlns:a16="http://schemas.microsoft.com/office/drawing/2014/main" xmlns="" val="2704205"/>
                     </a:ext>
                   </a:extLst>
                 </a:gridCol>
                 <a:gridCol w="10184652">
                   <a:extLst>
                     <a:ext uri="{9D8B030D-6E8A-4147-A177-3AD203B41FA5}">
-                      <a16:colId xmlns:a16="http://schemas.microsoft.com/office/drawing/2014/main" val="1778487242"/>
+                      <a16:colId xmlns:a16="http://schemas.microsoft.com/office/drawing/2014/main" xmlns="" val="1778487242"/>
                     </a:ext>
                   </a:extLst>
                 </a:gridCol>
@@ -4129,7 +4209,7 @@
                 </a:tc>
                 <a:extLst>
                   <a:ext uri="{0D108BD9-81ED-4DB2-BD59-A6C34878D82A}">
-                    <a16:rowId xmlns:a16="http://schemas.microsoft.com/office/drawing/2014/main" val="2202475331"/>
+                    <a16:rowId xmlns:a16="http://schemas.microsoft.com/office/drawing/2014/main" xmlns="" val="2202475331"/>
                   </a:ext>
                 </a:extLst>
               </a:tr>
@@ -4188,7 +4268,7 @@
                 </a:tc>
                 <a:extLst>
                   <a:ext uri="{0D108BD9-81ED-4DB2-BD59-A6C34878D82A}">
-                    <a16:rowId xmlns:a16="http://schemas.microsoft.com/office/drawing/2014/main" val="425136473"/>
+                    <a16:rowId xmlns:a16="http://schemas.microsoft.com/office/drawing/2014/main" xmlns="" val="425136473"/>
                   </a:ext>
                 </a:extLst>
               </a:tr>
@@ -4567,7 +4647,7 @@
                 </a:tc>
                 <a:extLst>
                   <a:ext uri="{0D108BD9-81ED-4DB2-BD59-A6C34878D82A}">
-                    <a16:rowId xmlns:a16="http://schemas.microsoft.com/office/drawing/2014/main" val="1276588664"/>
+                    <a16:rowId xmlns:a16="http://schemas.microsoft.com/office/drawing/2014/main" xmlns="" val="1276588664"/>
                   </a:ext>
                 </a:extLst>
               </a:tr>
@@ -4668,7 +4748,7 @@
                 </a:tc>
                 <a:extLst>
                   <a:ext uri="{0D108BD9-81ED-4DB2-BD59-A6C34878D82A}">
-                    <a16:rowId xmlns:a16="http://schemas.microsoft.com/office/drawing/2014/main" val="1342570399"/>
+                    <a16:rowId xmlns:a16="http://schemas.microsoft.com/office/drawing/2014/main" xmlns="" val="1342570399"/>
                   </a:ext>
                 </a:extLst>
               </a:tr>
@@ -4679,13 +4759,20 @@
     </p:spTree>
     <p:extLst>
       <p:ext uri="{BB962C8B-B14F-4D97-AF65-F5344CB8AC3E}">
-        <p14:creationId xmlns:p14="http://schemas.microsoft.com/office/powerpoint/2010/main" val="3912086116"/>
+        <p14:creationId xmlns:p14="http://schemas.microsoft.com/office/powerpoint/2010/main" xmlns="" val="3912086116"/>
       </p:ext>
     </p:extLst>
   </p:cSld>
   <p:clrMapOvr>
     <a:masterClrMapping/>
   </p:clrMapOvr>
+  <p:timing>
+    <p:tnLst>
+      <p:par>
+        <p:cTn id="1" dur="indefinite" restart="never" nodeType="tmRoot"/>
+      </p:par>
+    </p:tnLst>
+  </p:timing>
 </p:sld>
 </file>
 
@@ -4750,7 +4837,7 @@
           <a:blip r:embed="rId2">
             <a:extLst>
               <a:ext uri="{28A0092B-C50C-407E-A947-70E740481C1C}">
-                <a14:useLocalDpi xmlns:a14="http://schemas.microsoft.com/office/drawing/2010/main" val="0"/>
+                <a14:useLocalDpi xmlns:a14="http://schemas.microsoft.com/office/drawing/2010/main" xmlns="" val="0"/>
               </a:ext>
             </a:extLst>
           </a:blip>
@@ -4773,14 +4860,14 @@
           </a:ln>
           <a:extLst>
             <a:ext uri="{909E8E84-426E-40DD-AFC4-6F175D3DCCD1}">
-              <a14:hiddenFill xmlns:a14="http://schemas.microsoft.com/office/drawing/2010/main">
+              <a14:hiddenFill xmlns:a14="http://schemas.microsoft.com/office/drawing/2010/main" xmlns="">
                 <a:solidFill>
                   <a:srgbClr val="FFFFFF"/>
                 </a:solidFill>
               </a14:hiddenFill>
             </a:ext>
             <a:ext uri="{91240B29-F687-4F45-9708-019B960494DF}">
-              <a14:hiddenLine xmlns:a14="http://schemas.microsoft.com/office/drawing/2010/main" w="9525">
+              <a14:hiddenLine xmlns:a14="http://schemas.microsoft.com/office/drawing/2010/main" xmlns="" w="9525">
                 <a:solidFill>
                   <a:srgbClr val="000000"/>
                 </a:solidFill>
@@ -4795,13 +4882,20 @@
     </p:spTree>
     <p:extLst>
       <p:ext uri="{BB962C8B-B14F-4D97-AF65-F5344CB8AC3E}">
-        <p14:creationId xmlns:p14="http://schemas.microsoft.com/office/powerpoint/2010/main" val="2484878310"/>
+        <p14:creationId xmlns:p14="http://schemas.microsoft.com/office/powerpoint/2010/main" xmlns="" val="2484878310"/>
       </p:ext>
     </p:extLst>
   </p:cSld>
   <p:clrMapOvr>
     <a:masterClrMapping/>
   </p:clrMapOvr>
+  <p:timing>
+    <p:tnLst>
+      <p:par>
+        <p:cTn id="1" dur="indefinite" restart="never" nodeType="tmRoot"/>
+      </p:par>
+    </p:tnLst>
+  </p:timing>
 </p:sld>
 </file>
 
@@ -4866,7 +4960,7 @@
           <a:blip r:embed="rId2">
             <a:extLst>
               <a:ext uri="{28A0092B-C50C-407E-A947-70E740481C1C}">
-                <a14:useLocalDpi xmlns:a14="http://schemas.microsoft.com/office/drawing/2010/main" val="0"/>
+                <a14:useLocalDpi xmlns:a14="http://schemas.microsoft.com/office/drawing/2010/main" xmlns="" val="0"/>
               </a:ext>
             </a:extLst>
           </a:blip>
@@ -4889,14 +4983,14 @@
           </a:ln>
           <a:extLst>
             <a:ext uri="{909E8E84-426E-40DD-AFC4-6F175D3DCCD1}">
-              <a14:hiddenFill xmlns:a14="http://schemas.microsoft.com/office/drawing/2010/main">
+              <a14:hiddenFill xmlns:a14="http://schemas.microsoft.com/office/drawing/2010/main" xmlns="">
                 <a:solidFill>
                   <a:srgbClr val="FFFFFF"/>
                 </a:solidFill>
               </a14:hiddenFill>
             </a:ext>
             <a:ext uri="{91240B29-F687-4F45-9708-019B960494DF}">
-              <a14:hiddenLine xmlns:a14="http://schemas.microsoft.com/office/drawing/2010/main" w="9525">
+              <a14:hiddenLine xmlns:a14="http://schemas.microsoft.com/office/drawing/2010/main" xmlns="" w="9525">
                 <a:solidFill>
                   <a:srgbClr val="000000"/>
                 </a:solidFill>
@@ -4911,13 +5005,20 @@
     </p:spTree>
     <p:extLst>
       <p:ext uri="{BB962C8B-B14F-4D97-AF65-F5344CB8AC3E}">
-        <p14:creationId xmlns:p14="http://schemas.microsoft.com/office/powerpoint/2010/main" val="577088231"/>
+        <p14:creationId xmlns:p14="http://schemas.microsoft.com/office/powerpoint/2010/main" xmlns="" val="577088231"/>
       </p:ext>
     </p:extLst>
   </p:cSld>
   <p:clrMapOvr>
     <a:masterClrMapping/>
   </p:clrMapOvr>
+  <p:timing>
+    <p:tnLst>
+      <p:par>
+        <p:cTn id="1" dur="indefinite" restart="never" nodeType="tmRoot"/>
+      </p:par>
+    </p:tnLst>
+  </p:timing>
 </p:sld>
 </file>
 
@@ -4978,13 +5079,20 @@
     </p:spTree>
     <p:extLst>
       <p:ext uri="{BB962C8B-B14F-4D97-AF65-F5344CB8AC3E}">
-        <p14:creationId xmlns:p14="http://schemas.microsoft.com/office/powerpoint/2010/main" val="806811269"/>
+        <p14:creationId xmlns:p14="http://schemas.microsoft.com/office/powerpoint/2010/main" xmlns="" val="806811269"/>
       </p:ext>
     </p:extLst>
   </p:cSld>
   <p:clrMapOvr>
     <a:masterClrMapping/>
   </p:clrMapOvr>
+  <p:timing>
+    <p:tnLst>
+      <p:par>
+        <p:cTn id="1" dur="indefinite" restart="never" nodeType="tmRoot"/>
+      </p:par>
+    </p:tnLst>
+  </p:timing>
 </p:sld>
 </file>
 
@@ -5049,7 +5157,7 @@
           <a:blip r:embed="rId2">
             <a:extLst>
               <a:ext uri="{28A0092B-C50C-407E-A947-70E740481C1C}">
-                <a14:useLocalDpi xmlns:a14="http://schemas.microsoft.com/office/drawing/2010/main" val="0"/>
+                <a14:useLocalDpi xmlns:a14="http://schemas.microsoft.com/office/drawing/2010/main" xmlns="" val="0"/>
               </a:ext>
             </a:extLst>
           </a:blip>
@@ -5072,14 +5180,14 @@
           </a:ln>
           <a:extLst>
             <a:ext uri="{909E8E84-426E-40DD-AFC4-6F175D3DCCD1}">
-              <a14:hiddenFill xmlns:a14="http://schemas.microsoft.com/office/drawing/2010/main">
+              <a14:hiddenFill xmlns:a14="http://schemas.microsoft.com/office/drawing/2010/main" xmlns="">
                 <a:solidFill>
                   <a:srgbClr val="FFFFFF"/>
                 </a:solidFill>
               </a14:hiddenFill>
             </a:ext>
             <a:ext uri="{91240B29-F687-4F45-9708-019B960494DF}">
-              <a14:hiddenLine xmlns:a14="http://schemas.microsoft.com/office/drawing/2010/main" w="9525">
+              <a14:hiddenLine xmlns:a14="http://schemas.microsoft.com/office/drawing/2010/main" xmlns="" w="9525">
                 <a:solidFill>
                   <a:srgbClr val="000000"/>
                 </a:solidFill>
@@ -5094,13 +5202,20 @@
     </p:spTree>
     <p:extLst>
       <p:ext uri="{BB962C8B-B14F-4D97-AF65-F5344CB8AC3E}">
-        <p14:creationId xmlns:p14="http://schemas.microsoft.com/office/powerpoint/2010/main" val="3404634576"/>
+        <p14:creationId xmlns:p14="http://schemas.microsoft.com/office/powerpoint/2010/main" xmlns="" val="3404634576"/>
       </p:ext>
     </p:extLst>
   </p:cSld>
   <p:clrMapOvr>
     <a:masterClrMapping/>
   </p:clrMapOvr>
+  <p:timing>
+    <p:tnLst>
+      <p:par>
+        <p:cTn id="1" dur="indefinite" restart="never" nodeType="tmRoot"/>
+      </p:par>
+    </p:tnLst>
+  </p:timing>
 </p:sld>
 </file>
 
@@ -5165,7 +5280,7 @@
           <a:blip r:embed="rId2">
             <a:extLst>
               <a:ext uri="{28A0092B-C50C-407E-A947-70E740481C1C}">
-                <a14:useLocalDpi xmlns:a14="http://schemas.microsoft.com/office/drawing/2010/main" val="0"/>
+                <a14:useLocalDpi xmlns:a14="http://schemas.microsoft.com/office/drawing/2010/main" xmlns="" val="0"/>
               </a:ext>
             </a:extLst>
           </a:blip>
@@ -5188,14 +5303,14 @@
           </a:ln>
           <a:extLst>
             <a:ext uri="{909E8E84-426E-40DD-AFC4-6F175D3DCCD1}">
-              <a14:hiddenFill xmlns:a14="http://schemas.microsoft.com/office/drawing/2010/main">
+              <a14:hiddenFill xmlns:a14="http://schemas.microsoft.com/office/drawing/2010/main" xmlns="">
                 <a:solidFill>
                   <a:srgbClr val="FFFFFF"/>
                 </a:solidFill>
               </a14:hiddenFill>
             </a:ext>
             <a:ext uri="{91240B29-F687-4F45-9708-019B960494DF}">
-              <a14:hiddenLine xmlns:a14="http://schemas.microsoft.com/office/drawing/2010/main" w="9525">
+              <a14:hiddenLine xmlns:a14="http://schemas.microsoft.com/office/drawing/2010/main" xmlns="" w="9525">
                 <a:solidFill>
                   <a:srgbClr val="000000"/>
                 </a:solidFill>
@@ -5210,13 +5325,20 @@
     </p:spTree>
     <p:extLst>
       <p:ext uri="{BB962C8B-B14F-4D97-AF65-F5344CB8AC3E}">
-        <p14:creationId xmlns:p14="http://schemas.microsoft.com/office/powerpoint/2010/main" val="3249613020"/>
+        <p14:creationId xmlns:p14="http://schemas.microsoft.com/office/powerpoint/2010/main" xmlns="" val="3249613020"/>
       </p:ext>
     </p:extLst>
   </p:cSld>
   <p:clrMapOvr>
     <a:masterClrMapping/>
   </p:clrMapOvr>
+  <p:timing>
+    <p:tnLst>
+      <p:par>
+        <p:cTn id="1" dur="indefinite" restart="never" nodeType="tmRoot"/>
+      </p:par>
+    </p:tnLst>
+  </p:timing>
 </p:sld>
 </file>
 
@@ -5281,7 +5403,7 @@
           <a:blip r:embed="rId2">
             <a:extLst>
               <a:ext uri="{28A0092B-C50C-407E-A947-70E740481C1C}">
-                <a14:useLocalDpi xmlns:a14="http://schemas.microsoft.com/office/drawing/2010/main" val="0"/>
+                <a14:useLocalDpi xmlns:a14="http://schemas.microsoft.com/office/drawing/2010/main" xmlns="" val="0"/>
               </a:ext>
             </a:extLst>
           </a:blip>
@@ -5304,14 +5426,14 @@
           </a:ln>
           <a:extLst>
             <a:ext uri="{909E8E84-426E-40DD-AFC4-6F175D3DCCD1}">
-              <a14:hiddenFill xmlns:a14="http://schemas.microsoft.com/office/drawing/2010/main">
+              <a14:hiddenFill xmlns:a14="http://schemas.microsoft.com/office/drawing/2010/main" xmlns="">
                 <a:solidFill>
                   <a:srgbClr val="FFFFFF"/>
                 </a:solidFill>
               </a14:hiddenFill>
             </a:ext>
             <a:ext uri="{91240B29-F687-4F45-9708-019B960494DF}">
-              <a14:hiddenLine xmlns:a14="http://schemas.microsoft.com/office/drawing/2010/main" w="9525">
+              <a14:hiddenLine xmlns:a14="http://schemas.microsoft.com/office/drawing/2010/main" xmlns="" w="9525">
                 <a:solidFill>
                   <a:srgbClr val="000000"/>
                 </a:solidFill>
@@ -5326,13 +5448,20 @@
     </p:spTree>
     <p:extLst>
       <p:ext uri="{BB962C8B-B14F-4D97-AF65-F5344CB8AC3E}">
-        <p14:creationId xmlns:p14="http://schemas.microsoft.com/office/powerpoint/2010/main" val="4185097621"/>
+        <p14:creationId xmlns:p14="http://schemas.microsoft.com/office/powerpoint/2010/main" xmlns="" val="4185097621"/>
       </p:ext>
     </p:extLst>
   </p:cSld>
   <p:clrMapOvr>
     <a:masterClrMapping/>
   </p:clrMapOvr>
+  <p:timing>
+    <p:tnLst>
+      <p:par>
+        <p:cTn id="1" dur="indefinite" restart="never" nodeType="tmRoot"/>
+      </p:par>
+    </p:tnLst>
+  </p:timing>
 </p:sld>
 </file>
 
@@ -5425,7 +5554,7 @@
           <p:nvPr>
             <p:extLst>
               <p:ext uri="{D42A27DB-BD31-4B8C-83A1-F6EECF244321}">
-                <p14:modId xmlns:p14="http://schemas.microsoft.com/office/powerpoint/2010/main" val="234871776"/>
+                <p14:modId xmlns:p14="http://schemas.microsoft.com/office/powerpoint/2010/main" xmlns="" val="234871776"/>
               </p:ext>
             </p:extLst>
           </p:nvPr>
@@ -5444,14 +5573,14 @@
                 <a:gridCol w="3631524">
                   <a:extLst>
                     <a:ext uri="{9D8B030D-6E8A-4147-A177-3AD203B41FA5}">
-                      <a16:colId xmlns:a16="http://schemas.microsoft.com/office/drawing/2014/main" val="3846149799"/>
+                      <a16:colId xmlns:a16="http://schemas.microsoft.com/office/drawing/2014/main" xmlns="" val="3846149799"/>
                     </a:ext>
                   </a:extLst>
                 </a:gridCol>
                 <a:gridCol w="8248749">
                   <a:extLst>
                     <a:ext uri="{9D8B030D-6E8A-4147-A177-3AD203B41FA5}">
-                      <a16:colId xmlns:a16="http://schemas.microsoft.com/office/drawing/2014/main" val="843098667"/>
+                      <a16:colId xmlns:a16="http://schemas.microsoft.com/office/drawing/2014/main" xmlns="" val="843098667"/>
                     </a:ext>
                   </a:extLst>
                 </a:gridCol>
@@ -5523,7 +5652,7 @@
                 </a:tc>
                 <a:extLst>
                   <a:ext uri="{0D108BD9-81ED-4DB2-BD59-A6C34878D82A}">
-                    <a16:rowId xmlns:a16="http://schemas.microsoft.com/office/drawing/2014/main" val="2280607794"/>
+                    <a16:rowId xmlns:a16="http://schemas.microsoft.com/office/drawing/2014/main" xmlns="" val="2280607794"/>
                   </a:ext>
                 </a:extLst>
               </a:tr>
@@ -5642,7 +5771,7 @@
                 </a:tc>
                 <a:extLst>
                   <a:ext uri="{0D108BD9-81ED-4DB2-BD59-A6C34878D82A}">
-                    <a16:rowId xmlns:a16="http://schemas.microsoft.com/office/drawing/2014/main" val="2984623222"/>
+                    <a16:rowId xmlns:a16="http://schemas.microsoft.com/office/drawing/2014/main" xmlns="" val="2984623222"/>
                   </a:ext>
                 </a:extLst>
               </a:tr>
@@ -5701,7 +5830,7 @@
                 </a:tc>
                 <a:extLst>
                   <a:ext uri="{0D108BD9-81ED-4DB2-BD59-A6C34878D82A}">
-                    <a16:rowId xmlns:a16="http://schemas.microsoft.com/office/drawing/2014/main" val="2420103369"/>
+                    <a16:rowId xmlns:a16="http://schemas.microsoft.com/office/drawing/2014/main" xmlns="" val="2420103369"/>
                   </a:ext>
                 </a:extLst>
               </a:tr>
@@ -5784,7 +5913,7 @@
                 </a:tc>
                 <a:extLst>
                   <a:ext uri="{0D108BD9-81ED-4DB2-BD59-A6C34878D82A}">
-                    <a16:rowId xmlns:a16="http://schemas.microsoft.com/office/drawing/2014/main" val="1677103406"/>
+                    <a16:rowId xmlns:a16="http://schemas.microsoft.com/office/drawing/2014/main" xmlns="" val="1677103406"/>
                   </a:ext>
                 </a:extLst>
               </a:tr>
@@ -5795,13 +5924,20 @@
     </p:spTree>
     <p:extLst>
       <p:ext uri="{BB962C8B-B14F-4D97-AF65-F5344CB8AC3E}">
-        <p14:creationId xmlns:p14="http://schemas.microsoft.com/office/powerpoint/2010/main" val="2696172012"/>
+        <p14:creationId xmlns:p14="http://schemas.microsoft.com/office/powerpoint/2010/main" xmlns="" val="2696172012"/>
       </p:ext>
     </p:extLst>
   </p:cSld>
   <p:clrMapOvr>
     <a:masterClrMapping/>
   </p:clrMapOvr>
+  <p:timing>
+    <p:tnLst>
+      <p:par>
+        <p:cTn id="1" dur="indefinite" restart="never" nodeType="tmRoot"/>
+      </p:par>
+    </p:tnLst>
+  </p:timing>
 </p:sld>
 </file>
 
@@ -5969,13 +6105,20 @@
     </p:spTree>
     <p:extLst>
       <p:ext uri="{BB962C8B-B14F-4D97-AF65-F5344CB8AC3E}">
-        <p14:creationId xmlns:p14="http://schemas.microsoft.com/office/powerpoint/2010/main" val="3354115636"/>
+        <p14:creationId xmlns:p14="http://schemas.microsoft.com/office/powerpoint/2010/main" xmlns="" val="3354115636"/>
       </p:ext>
     </p:extLst>
   </p:cSld>
   <p:clrMapOvr>
     <a:masterClrMapping/>
   </p:clrMapOvr>
+  <p:timing>
+    <p:tnLst>
+      <p:par>
+        <p:cTn id="1" dur="indefinite" restart="never" nodeType="tmRoot"/>
+      </p:par>
+    </p:tnLst>
+  </p:timing>
 </p:sld>
 </file>
 
@@ -6045,13 +6188,20 @@
     </p:spTree>
     <p:extLst>
       <p:ext uri="{BB962C8B-B14F-4D97-AF65-F5344CB8AC3E}">
-        <p14:creationId xmlns:p14="http://schemas.microsoft.com/office/powerpoint/2010/main" val="2770294179"/>
+        <p14:creationId xmlns:p14="http://schemas.microsoft.com/office/powerpoint/2010/main" xmlns="" val="2770294179"/>
       </p:ext>
     </p:extLst>
   </p:cSld>
   <p:clrMapOvr>
     <a:masterClrMapping/>
   </p:clrMapOvr>
+  <p:timing>
+    <p:tnLst>
+      <p:par>
+        <p:cTn id="1" dur="indefinite" restart="never" nodeType="tmRoot"/>
+      </p:par>
+    </p:tnLst>
+  </p:timing>
 </p:sld>
 </file>
 
@@ -6278,13 +6428,20 @@
     </p:spTree>
     <p:extLst>
       <p:ext uri="{BB962C8B-B14F-4D97-AF65-F5344CB8AC3E}">
-        <p14:creationId xmlns:p14="http://schemas.microsoft.com/office/powerpoint/2010/main" val="2478046666"/>
+        <p14:creationId xmlns:p14="http://schemas.microsoft.com/office/powerpoint/2010/main" xmlns="" val="2478046666"/>
       </p:ext>
     </p:extLst>
   </p:cSld>
   <p:clrMapOvr>
     <a:masterClrMapping/>
   </p:clrMapOvr>
+  <p:timing>
+    <p:tnLst>
+      <p:par>
+        <p:cTn id="1" dur="indefinite" restart="never" nodeType="tmRoot"/>
+      </p:par>
+    </p:tnLst>
+  </p:timing>
 </p:sld>
 </file>
 
@@ -6650,13 +6807,20 @@
     </p:spTree>
     <p:extLst>
       <p:ext uri="{BB962C8B-B14F-4D97-AF65-F5344CB8AC3E}">
-        <p14:creationId xmlns:p14="http://schemas.microsoft.com/office/powerpoint/2010/main" val="3515886979"/>
+        <p14:creationId xmlns:p14="http://schemas.microsoft.com/office/powerpoint/2010/main" xmlns="" val="3515886979"/>
       </p:ext>
     </p:extLst>
   </p:cSld>
   <p:clrMapOvr>
     <a:masterClrMapping/>
   </p:clrMapOvr>
+  <p:timing>
+    <p:tnLst>
+      <p:par>
+        <p:cTn id="1" dur="indefinite" restart="never" nodeType="tmRoot"/>
+      </p:par>
+    </p:tnLst>
+  </p:timing>
 </p:sld>
 </file>
 
@@ -6718,7 +6882,7 @@
           <p:nvPr>
             <p:extLst>
               <p:ext uri="{D42A27DB-BD31-4B8C-83A1-F6EECF244321}">
-                <p14:modId xmlns:p14="http://schemas.microsoft.com/office/powerpoint/2010/main" val="436120608"/>
+                <p14:modId xmlns:p14="http://schemas.microsoft.com/office/powerpoint/2010/main" xmlns="" val="436120608"/>
               </p:ext>
             </p:extLst>
           </p:nvPr>
@@ -6737,14 +6901,14 @@
                 <a:gridCol w="2926280">
                   <a:extLst>
                     <a:ext uri="{9D8B030D-6E8A-4147-A177-3AD203B41FA5}">
-                      <a16:colId xmlns:a16="http://schemas.microsoft.com/office/drawing/2014/main" val="1190005491"/>
+                      <a16:colId xmlns:a16="http://schemas.microsoft.com/office/drawing/2014/main" xmlns="" val="1190005491"/>
                     </a:ext>
                   </a:extLst>
                 </a:gridCol>
                 <a:gridCol w="8953993">
                   <a:extLst>
                     <a:ext uri="{9D8B030D-6E8A-4147-A177-3AD203B41FA5}">
-                      <a16:colId xmlns:a16="http://schemas.microsoft.com/office/drawing/2014/main" val="1369336340"/>
+                      <a16:colId xmlns:a16="http://schemas.microsoft.com/office/drawing/2014/main" xmlns="" val="1369336340"/>
                     </a:ext>
                   </a:extLst>
                 </a:gridCol>
@@ -6816,7 +6980,7 @@
                 </a:tc>
                 <a:extLst>
                   <a:ext uri="{0D108BD9-81ED-4DB2-BD59-A6C34878D82A}">
-                    <a16:rowId xmlns:a16="http://schemas.microsoft.com/office/drawing/2014/main" val="290666705"/>
+                    <a16:rowId xmlns:a16="http://schemas.microsoft.com/office/drawing/2014/main" xmlns="" val="290666705"/>
                   </a:ext>
                 </a:extLst>
               </a:tr>
@@ -6875,7 +7039,7 @@
                 </a:tc>
                 <a:extLst>
                   <a:ext uri="{0D108BD9-81ED-4DB2-BD59-A6C34878D82A}">
-                    <a16:rowId xmlns:a16="http://schemas.microsoft.com/office/drawing/2014/main" val="2628690220"/>
+                    <a16:rowId xmlns:a16="http://schemas.microsoft.com/office/drawing/2014/main" xmlns="" val="2628690220"/>
                   </a:ext>
                 </a:extLst>
               </a:tr>
@@ -6934,7 +7098,7 @@
                 </a:tc>
                 <a:extLst>
                   <a:ext uri="{0D108BD9-81ED-4DB2-BD59-A6C34878D82A}">
-                    <a16:rowId xmlns:a16="http://schemas.microsoft.com/office/drawing/2014/main" val="3647192193"/>
+                    <a16:rowId xmlns:a16="http://schemas.microsoft.com/office/drawing/2014/main" xmlns="" val="3647192193"/>
                   </a:ext>
                 </a:extLst>
               </a:tr>
@@ -7075,7 +7239,7 @@
                 </a:tc>
                 <a:extLst>
                   <a:ext uri="{0D108BD9-81ED-4DB2-BD59-A6C34878D82A}">
-                    <a16:rowId xmlns:a16="http://schemas.microsoft.com/office/drawing/2014/main" val="2502089241"/>
+                    <a16:rowId xmlns:a16="http://schemas.microsoft.com/office/drawing/2014/main" xmlns="" val="2502089241"/>
                   </a:ext>
                 </a:extLst>
               </a:tr>
@@ -7222,7 +7386,7 @@
                 </a:tc>
                 <a:extLst>
                   <a:ext uri="{0D108BD9-81ED-4DB2-BD59-A6C34878D82A}">
-                    <a16:rowId xmlns:a16="http://schemas.microsoft.com/office/drawing/2014/main" val="789443673"/>
+                    <a16:rowId xmlns:a16="http://schemas.microsoft.com/office/drawing/2014/main" xmlns="" val="789443673"/>
                   </a:ext>
                 </a:extLst>
               </a:tr>
@@ -7305,7 +7469,7 @@
                 </a:tc>
                 <a:extLst>
                   <a:ext uri="{0D108BD9-81ED-4DB2-BD59-A6C34878D82A}">
-                    <a16:rowId xmlns:a16="http://schemas.microsoft.com/office/drawing/2014/main" val="2350545936"/>
+                    <a16:rowId xmlns:a16="http://schemas.microsoft.com/office/drawing/2014/main" xmlns="" val="2350545936"/>
                   </a:ext>
                 </a:extLst>
               </a:tr>
@@ -7316,13 +7480,20 @@
     </p:spTree>
     <p:extLst>
       <p:ext uri="{BB962C8B-B14F-4D97-AF65-F5344CB8AC3E}">
-        <p14:creationId xmlns:p14="http://schemas.microsoft.com/office/powerpoint/2010/main" val="3245946928"/>
+        <p14:creationId xmlns:p14="http://schemas.microsoft.com/office/powerpoint/2010/main" xmlns="" val="3245946928"/>
       </p:ext>
     </p:extLst>
   </p:cSld>
   <p:clrMapOvr>
     <a:masterClrMapping/>
   </p:clrMapOvr>
+  <p:timing>
+    <p:tnLst>
+      <p:par>
+        <p:cTn id="1" dur="indefinite" restart="never" nodeType="tmRoot"/>
+      </p:par>
+    </p:tnLst>
+  </p:timing>
 </p:sld>
 </file>
 
@@ -7815,13 +7986,20 @@
     </p:spTree>
     <p:extLst>
       <p:ext uri="{BB962C8B-B14F-4D97-AF65-F5344CB8AC3E}">
-        <p14:creationId xmlns:p14="http://schemas.microsoft.com/office/powerpoint/2010/main" val="937165265"/>
+        <p14:creationId xmlns:p14="http://schemas.microsoft.com/office/powerpoint/2010/main" xmlns="" val="937165265"/>
       </p:ext>
     </p:extLst>
   </p:cSld>
   <p:clrMapOvr>
     <a:masterClrMapping/>
   </p:clrMapOvr>
+  <p:timing>
+    <p:tnLst>
+      <p:par>
+        <p:cTn id="1" dur="indefinite" restart="never" nodeType="tmRoot"/>
+      </p:par>
+    </p:tnLst>
+  </p:timing>
 </p:sld>
 </file>
 
@@ -7942,7 +8120,7 @@
           <a:blip r:embed="rId2">
             <a:extLst>
               <a:ext uri="{28A0092B-C50C-407E-A947-70E740481C1C}">
-                <a14:useLocalDpi xmlns:a14="http://schemas.microsoft.com/office/drawing/2010/main" val="0"/>
+                <a14:useLocalDpi xmlns:a14="http://schemas.microsoft.com/office/drawing/2010/main" xmlns="" val="0"/>
               </a:ext>
             </a:extLst>
           </a:blip>
@@ -7965,14 +8143,14 @@
           </a:ln>
           <a:extLst>
             <a:ext uri="{909E8E84-426E-40DD-AFC4-6F175D3DCCD1}">
-              <a14:hiddenFill xmlns:a14="http://schemas.microsoft.com/office/drawing/2010/main">
+              <a14:hiddenFill xmlns:a14="http://schemas.microsoft.com/office/drawing/2010/main" xmlns="">
                 <a:solidFill>
                   <a:srgbClr val="FFFFFF"/>
                 </a:solidFill>
               </a14:hiddenFill>
             </a:ext>
             <a:ext uri="{91240B29-F687-4F45-9708-019B960494DF}">
-              <a14:hiddenLine xmlns:a14="http://schemas.microsoft.com/office/drawing/2010/main" w="9525">
+              <a14:hiddenLine xmlns:a14="http://schemas.microsoft.com/office/drawing/2010/main" xmlns="" w="9525">
                 <a:solidFill>
                   <a:srgbClr val="000000"/>
                 </a:solidFill>
@@ -7987,13 +8165,20 @@
     </p:spTree>
     <p:extLst>
       <p:ext uri="{BB962C8B-B14F-4D97-AF65-F5344CB8AC3E}">
-        <p14:creationId xmlns:p14="http://schemas.microsoft.com/office/powerpoint/2010/main" val="3256739874"/>
+        <p14:creationId xmlns:p14="http://schemas.microsoft.com/office/powerpoint/2010/main" xmlns="" val="3256739874"/>
       </p:ext>
     </p:extLst>
   </p:cSld>
   <p:clrMapOvr>
     <a:masterClrMapping/>
   </p:clrMapOvr>
+  <p:timing>
+    <p:tnLst>
+      <p:par>
+        <p:cTn id="1" dur="indefinite" restart="never" nodeType="tmRoot"/>
+      </p:par>
+    </p:tnLst>
+  </p:timing>
 </p:sld>
 </file>
 
@@ -8413,13 +8598,20 @@
     </p:spTree>
     <p:extLst>
       <p:ext uri="{BB962C8B-B14F-4D97-AF65-F5344CB8AC3E}">
-        <p14:creationId xmlns:p14="http://schemas.microsoft.com/office/powerpoint/2010/main" val="1783419923"/>
+        <p14:creationId xmlns:p14="http://schemas.microsoft.com/office/powerpoint/2010/main" xmlns="" val="1783419923"/>
       </p:ext>
     </p:extLst>
   </p:cSld>
   <p:clrMapOvr>
     <a:masterClrMapping/>
   </p:clrMapOvr>
+  <p:timing>
+    <p:tnLst>
+      <p:par>
+        <p:cTn id="1" dur="indefinite" restart="never" nodeType="tmRoot"/>
+      </p:par>
+    </p:tnLst>
+  </p:timing>
 </p:sld>
 </file>
 
@@ -8869,13 +9061,20 @@
     </p:spTree>
     <p:extLst>
       <p:ext uri="{BB962C8B-B14F-4D97-AF65-F5344CB8AC3E}">
-        <p14:creationId xmlns:p14="http://schemas.microsoft.com/office/powerpoint/2010/main" val="3412549521"/>
+        <p14:creationId xmlns:p14="http://schemas.microsoft.com/office/powerpoint/2010/main" xmlns="" val="3412549521"/>
       </p:ext>
     </p:extLst>
   </p:cSld>
   <p:clrMapOvr>
     <a:masterClrMapping/>
   </p:clrMapOvr>
+  <p:timing>
+    <p:tnLst>
+      <p:par>
+        <p:cTn id="1" dur="indefinite" restart="never" nodeType="tmRoot"/>
+      </p:par>
+    </p:tnLst>
+  </p:timing>
 </p:sld>
 </file>
 
@@ -9362,13 +9561,20 @@
     </p:spTree>
     <p:extLst>
       <p:ext uri="{BB962C8B-B14F-4D97-AF65-F5344CB8AC3E}">
-        <p14:creationId xmlns:p14="http://schemas.microsoft.com/office/powerpoint/2010/main" val="3653388717"/>
+        <p14:creationId xmlns:p14="http://schemas.microsoft.com/office/powerpoint/2010/main" xmlns="" val="3653388717"/>
       </p:ext>
     </p:extLst>
   </p:cSld>
   <p:clrMapOvr>
     <a:masterClrMapping/>
   </p:clrMapOvr>
+  <p:timing>
+    <p:tnLst>
+      <p:par>
+        <p:cTn id="1" dur="indefinite" restart="never" nodeType="tmRoot"/>
+      </p:par>
+    </p:tnLst>
+  </p:timing>
 </p:sld>
 </file>
 
@@ -9681,13 +9887,20 @@
     </p:spTree>
     <p:extLst>
       <p:ext uri="{BB962C8B-B14F-4D97-AF65-F5344CB8AC3E}">
-        <p14:creationId xmlns:p14="http://schemas.microsoft.com/office/powerpoint/2010/main" val="263577006"/>
+        <p14:creationId xmlns:p14="http://schemas.microsoft.com/office/powerpoint/2010/main" xmlns="" val="263577006"/>
       </p:ext>
     </p:extLst>
   </p:cSld>
   <p:clrMapOvr>
     <a:masterClrMapping/>
   </p:clrMapOvr>
+  <p:timing>
+    <p:tnLst>
+      <p:par>
+        <p:cTn id="1" dur="indefinite" restart="never" nodeType="tmRoot"/>
+      </p:par>
+    </p:tnLst>
+  </p:timing>
 </p:sld>
 </file>
 
@@ -10093,13 +10306,20 @@
     </p:spTree>
     <p:extLst>
       <p:ext uri="{BB962C8B-B14F-4D97-AF65-F5344CB8AC3E}">
-        <p14:creationId xmlns:p14="http://schemas.microsoft.com/office/powerpoint/2010/main" val="1130013242"/>
+        <p14:creationId xmlns:p14="http://schemas.microsoft.com/office/powerpoint/2010/main" xmlns="" val="1130013242"/>
       </p:ext>
     </p:extLst>
   </p:cSld>
   <p:clrMapOvr>
     <a:masterClrMapping/>
   </p:clrMapOvr>
+  <p:timing>
+    <p:tnLst>
+      <p:par>
+        <p:cTn id="1" dur="indefinite" restart="never" nodeType="tmRoot"/>
+      </p:par>
+    </p:tnLst>
+  </p:timing>
 </p:sld>
 </file>
 
@@ -10598,13 +10818,20 @@
     </p:spTree>
     <p:extLst>
       <p:ext uri="{BB962C8B-B14F-4D97-AF65-F5344CB8AC3E}">
-        <p14:creationId xmlns:p14="http://schemas.microsoft.com/office/powerpoint/2010/main" val="2671248805"/>
+        <p14:creationId xmlns:p14="http://schemas.microsoft.com/office/powerpoint/2010/main" xmlns="" val="2671248805"/>
       </p:ext>
     </p:extLst>
   </p:cSld>
   <p:clrMapOvr>
     <a:masterClrMapping/>
   </p:clrMapOvr>
+  <p:timing>
+    <p:tnLst>
+      <p:par>
+        <p:cTn id="1" dur="indefinite" restart="never" nodeType="tmRoot"/>
+      </p:par>
+    </p:tnLst>
+  </p:timing>
 </p:sld>
 </file>
 
@@ -10660,13 +10887,20 @@
     </p:spTree>
     <p:extLst>
       <p:ext uri="{BB962C8B-B14F-4D97-AF65-F5344CB8AC3E}">
-        <p14:creationId xmlns:p14="http://schemas.microsoft.com/office/powerpoint/2010/main" val="1535824398"/>
+        <p14:creationId xmlns:p14="http://schemas.microsoft.com/office/powerpoint/2010/main" xmlns="" val="1535824398"/>
       </p:ext>
     </p:extLst>
   </p:cSld>
   <p:clrMapOvr>
     <a:masterClrMapping/>
   </p:clrMapOvr>
+  <p:timing>
+    <p:tnLst>
+      <p:par>
+        <p:cTn id="1" dur="indefinite" restart="never" nodeType="tmRoot"/>
+      </p:par>
+    </p:tnLst>
+  </p:timing>
 </p:sld>
 </file>
 
@@ -10826,13 +11060,20 @@
     </p:spTree>
     <p:extLst>
       <p:ext uri="{BB962C8B-B14F-4D97-AF65-F5344CB8AC3E}">
-        <p14:creationId xmlns:p14="http://schemas.microsoft.com/office/powerpoint/2010/main" val="2298585695"/>
+        <p14:creationId xmlns:p14="http://schemas.microsoft.com/office/powerpoint/2010/main" xmlns="" val="2298585695"/>
       </p:ext>
     </p:extLst>
   </p:cSld>
   <p:clrMapOvr>
     <a:masterClrMapping/>
   </p:clrMapOvr>
+  <p:timing>
+    <p:tnLst>
+      <p:par>
+        <p:cTn id="1" dur="indefinite" restart="never" nodeType="tmRoot"/>
+      </p:par>
+    </p:tnLst>
+  </p:timing>
 </p:sld>
 </file>
 
@@ -10897,7 +11138,7 @@
           <a:blip r:embed="rId2">
             <a:extLst>
               <a:ext uri="{28A0092B-C50C-407E-A947-70E740481C1C}">
-                <a14:useLocalDpi xmlns:a14="http://schemas.microsoft.com/office/drawing/2010/main" val="0"/>
+                <a14:useLocalDpi xmlns:a14="http://schemas.microsoft.com/office/drawing/2010/main" xmlns="" val="0"/>
               </a:ext>
             </a:extLst>
           </a:blip>
@@ -10920,14 +11161,14 @@
           </a:ln>
           <a:extLst>
             <a:ext uri="{909E8E84-426E-40DD-AFC4-6F175D3DCCD1}">
-              <a14:hiddenFill xmlns:a14="http://schemas.microsoft.com/office/drawing/2010/main">
+              <a14:hiddenFill xmlns:a14="http://schemas.microsoft.com/office/drawing/2010/main" xmlns="">
                 <a:solidFill>
                   <a:srgbClr val="FFFFFF"/>
                 </a:solidFill>
               </a14:hiddenFill>
             </a:ext>
             <a:ext uri="{91240B29-F687-4F45-9708-019B960494DF}">
-              <a14:hiddenLine xmlns:a14="http://schemas.microsoft.com/office/drawing/2010/main" w="9525">
+              <a14:hiddenLine xmlns:a14="http://schemas.microsoft.com/office/drawing/2010/main" xmlns="" w="9525">
                 <a:solidFill>
                   <a:srgbClr val="000000"/>
                 </a:solidFill>
@@ -10942,13 +11183,20 @@
     </p:spTree>
     <p:extLst>
       <p:ext uri="{BB962C8B-B14F-4D97-AF65-F5344CB8AC3E}">
-        <p14:creationId xmlns:p14="http://schemas.microsoft.com/office/powerpoint/2010/main" val="3298763499"/>
+        <p14:creationId xmlns:p14="http://schemas.microsoft.com/office/powerpoint/2010/main" xmlns="" val="3298763499"/>
       </p:ext>
     </p:extLst>
   </p:cSld>
   <p:clrMapOvr>
     <a:masterClrMapping/>
   </p:clrMapOvr>
+  <p:timing>
+    <p:tnLst>
+      <p:par>
+        <p:cTn id="1" dur="indefinite" restart="never" nodeType="tmRoot"/>
+      </p:par>
+    </p:tnLst>
+  </p:timing>
 </p:sld>
 </file>
 
@@ -11289,13 +11537,20 @@
     </p:spTree>
     <p:extLst>
       <p:ext uri="{BB962C8B-B14F-4D97-AF65-F5344CB8AC3E}">
-        <p14:creationId xmlns:p14="http://schemas.microsoft.com/office/powerpoint/2010/main" val="3836579135"/>
+        <p14:creationId xmlns:p14="http://schemas.microsoft.com/office/powerpoint/2010/main" xmlns="" val="3836579135"/>
       </p:ext>
     </p:extLst>
   </p:cSld>
   <p:clrMapOvr>
     <a:masterClrMapping/>
   </p:clrMapOvr>
+  <p:timing>
+    <p:tnLst>
+      <p:par>
+        <p:cTn id="1" dur="indefinite" restart="never" nodeType="tmRoot"/>
+      </p:par>
+    </p:tnLst>
+  </p:timing>
 </p:sld>
 </file>
 
@@ -11372,7 +11627,7 @@
           <a:blip r:embed="rId2">
             <a:extLst>
               <a:ext uri="{28A0092B-C50C-407E-A947-70E740481C1C}">
-                <a14:useLocalDpi xmlns:a14="http://schemas.microsoft.com/office/drawing/2010/main" val="0"/>
+                <a14:useLocalDpi xmlns:a14="http://schemas.microsoft.com/office/drawing/2010/main" xmlns="" val="0"/>
               </a:ext>
             </a:extLst>
           </a:blip>
@@ -11395,14 +11650,14 @@
           </a:ln>
           <a:extLst>
             <a:ext uri="{909E8E84-426E-40DD-AFC4-6F175D3DCCD1}">
-              <a14:hiddenFill xmlns:a14="http://schemas.microsoft.com/office/drawing/2010/main">
+              <a14:hiddenFill xmlns:a14="http://schemas.microsoft.com/office/drawing/2010/main" xmlns="">
                 <a:solidFill>
                   <a:srgbClr val="FFFFFF"/>
                 </a:solidFill>
               </a14:hiddenFill>
             </a:ext>
             <a:ext uri="{91240B29-F687-4F45-9708-019B960494DF}">
-              <a14:hiddenLine xmlns:a14="http://schemas.microsoft.com/office/drawing/2010/main" w="9525">
+              <a14:hiddenLine xmlns:a14="http://schemas.microsoft.com/office/drawing/2010/main" xmlns="" w="9525">
                 <a:solidFill>
                   <a:srgbClr val="000000"/>
                 </a:solidFill>
@@ -11417,13 +11672,20 @@
     </p:spTree>
     <p:extLst>
       <p:ext uri="{BB962C8B-B14F-4D97-AF65-F5344CB8AC3E}">
-        <p14:creationId xmlns:p14="http://schemas.microsoft.com/office/powerpoint/2010/main" val="2435751074"/>
+        <p14:creationId xmlns:p14="http://schemas.microsoft.com/office/powerpoint/2010/main" xmlns="" val="2435751074"/>
       </p:ext>
     </p:extLst>
   </p:cSld>
   <p:clrMapOvr>
     <a:masterClrMapping/>
   </p:clrMapOvr>
+  <p:timing>
+    <p:tnLst>
+      <p:par>
+        <p:cTn id="1" dur="indefinite" restart="never" nodeType="tmRoot"/>
+      </p:par>
+    </p:tnLst>
+  </p:timing>
 </p:sld>
 </file>
 
@@ -11904,13 +12166,20 @@
     </p:spTree>
     <p:extLst>
       <p:ext uri="{BB962C8B-B14F-4D97-AF65-F5344CB8AC3E}">
-        <p14:creationId xmlns:p14="http://schemas.microsoft.com/office/powerpoint/2010/main" val="2595656447"/>
+        <p14:creationId xmlns:p14="http://schemas.microsoft.com/office/powerpoint/2010/main" xmlns="" val="2595656447"/>
       </p:ext>
     </p:extLst>
   </p:cSld>
   <p:clrMapOvr>
     <a:masterClrMapping/>
   </p:clrMapOvr>
+  <p:timing>
+    <p:tnLst>
+      <p:par>
+        <p:cTn id="1" dur="indefinite" restart="never" nodeType="tmRoot"/>
+      </p:par>
+    </p:tnLst>
+  </p:timing>
 </p:sld>
 </file>
 
@@ -11976,7 +12245,7 @@
           <p:nvPr>
             <p:extLst>
               <p:ext uri="{D42A27DB-BD31-4B8C-83A1-F6EECF244321}">
-                <p14:modId xmlns:p14="http://schemas.microsoft.com/office/powerpoint/2010/main" val="59107197"/>
+                <p14:modId xmlns:p14="http://schemas.microsoft.com/office/powerpoint/2010/main" xmlns="" val="59107197"/>
               </p:ext>
             </p:extLst>
           </p:nvPr>
@@ -11995,14 +12264,14 @@
                 <a:gridCol w="2688775">
                   <a:extLst>
                     <a:ext uri="{9D8B030D-6E8A-4147-A177-3AD203B41FA5}">
-                      <a16:colId xmlns:a16="http://schemas.microsoft.com/office/drawing/2014/main" val="1083814587"/>
+                      <a16:colId xmlns:a16="http://schemas.microsoft.com/office/drawing/2014/main" xmlns="" val="1083814587"/>
                     </a:ext>
                   </a:extLst>
                 </a:gridCol>
                 <a:gridCol w="9191499">
                   <a:extLst>
                     <a:ext uri="{9D8B030D-6E8A-4147-A177-3AD203B41FA5}">
-                      <a16:colId xmlns:a16="http://schemas.microsoft.com/office/drawing/2014/main" val="3188642307"/>
+                      <a16:colId xmlns:a16="http://schemas.microsoft.com/office/drawing/2014/main" xmlns="" val="3188642307"/>
                     </a:ext>
                   </a:extLst>
                 </a:gridCol>
@@ -12040,7 +12309,7 @@
                 </a:tc>
                 <a:extLst>
                   <a:ext uri="{0D108BD9-81ED-4DB2-BD59-A6C34878D82A}">
-                    <a16:rowId xmlns:a16="http://schemas.microsoft.com/office/drawing/2014/main" val="30558846"/>
+                    <a16:rowId xmlns:a16="http://schemas.microsoft.com/office/drawing/2014/main" xmlns="" val="30558846"/>
                   </a:ext>
                 </a:extLst>
               </a:tr>
@@ -12089,7 +12358,7 @@
                 </a:tc>
                 <a:extLst>
                   <a:ext uri="{0D108BD9-81ED-4DB2-BD59-A6C34878D82A}">
-                    <a16:rowId xmlns:a16="http://schemas.microsoft.com/office/drawing/2014/main" val="679790251"/>
+                    <a16:rowId xmlns:a16="http://schemas.microsoft.com/office/drawing/2014/main" xmlns="" val="679790251"/>
                   </a:ext>
                 </a:extLst>
               </a:tr>
@@ -12138,7 +12407,7 @@
                 </a:tc>
                 <a:extLst>
                   <a:ext uri="{0D108BD9-81ED-4DB2-BD59-A6C34878D82A}">
-                    <a16:rowId xmlns:a16="http://schemas.microsoft.com/office/drawing/2014/main" val="4048292754"/>
+                    <a16:rowId xmlns:a16="http://schemas.microsoft.com/office/drawing/2014/main" xmlns="" val="4048292754"/>
                   </a:ext>
                 </a:extLst>
               </a:tr>
@@ -12203,7 +12472,7 @@
                 </a:tc>
                 <a:extLst>
                   <a:ext uri="{0D108BD9-81ED-4DB2-BD59-A6C34878D82A}">
-                    <a16:rowId xmlns:a16="http://schemas.microsoft.com/office/drawing/2014/main" val="4042802095"/>
+                    <a16:rowId xmlns:a16="http://schemas.microsoft.com/office/drawing/2014/main" xmlns="" val="4042802095"/>
                   </a:ext>
                 </a:extLst>
               </a:tr>
@@ -12256,7 +12525,7 @@
                 </a:tc>
                 <a:extLst>
                   <a:ext uri="{0D108BD9-81ED-4DB2-BD59-A6C34878D82A}">
-                    <a16:rowId xmlns:a16="http://schemas.microsoft.com/office/drawing/2014/main" val="2587274476"/>
+                    <a16:rowId xmlns:a16="http://schemas.microsoft.com/office/drawing/2014/main" xmlns="" val="2587274476"/>
                   </a:ext>
                 </a:extLst>
               </a:tr>
@@ -12267,13 +12536,20 @@
     </p:spTree>
     <p:extLst>
       <p:ext uri="{BB962C8B-B14F-4D97-AF65-F5344CB8AC3E}">
-        <p14:creationId xmlns:p14="http://schemas.microsoft.com/office/powerpoint/2010/main" val="1255326971"/>
+        <p14:creationId xmlns:p14="http://schemas.microsoft.com/office/powerpoint/2010/main" xmlns="" val="1255326971"/>
       </p:ext>
     </p:extLst>
   </p:cSld>
   <p:clrMapOvr>
     <a:masterClrMapping/>
   </p:clrMapOvr>
+  <p:timing>
+    <p:tnLst>
+      <p:par>
+        <p:cTn id="1" dur="indefinite" restart="never" nodeType="tmRoot"/>
+      </p:par>
+    </p:tnLst>
+  </p:timing>
 </p:sld>
 </file>
 
@@ -12334,13 +12610,20 @@
     </p:spTree>
     <p:extLst>
       <p:ext uri="{BB962C8B-B14F-4D97-AF65-F5344CB8AC3E}">
-        <p14:creationId xmlns:p14="http://schemas.microsoft.com/office/powerpoint/2010/main" val="2903715281"/>
+        <p14:creationId xmlns:p14="http://schemas.microsoft.com/office/powerpoint/2010/main" xmlns="" val="2903715281"/>
       </p:ext>
     </p:extLst>
   </p:cSld>
   <p:clrMapOvr>
     <a:masterClrMapping/>
   </p:clrMapOvr>
+  <p:timing>
+    <p:tnLst>
+      <p:par>
+        <p:cTn id="1" dur="indefinite" restart="never" nodeType="tmRoot"/>
+      </p:par>
+    </p:tnLst>
+  </p:timing>
 </p:sld>
 </file>
 
@@ -12806,13 +13089,20 @@
     </p:spTree>
     <p:extLst>
       <p:ext uri="{BB962C8B-B14F-4D97-AF65-F5344CB8AC3E}">
-        <p14:creationId xmlns:p14="http://schemas.microsoft.com/office/powerpoint/2010/main" val="2045916271"/>
+        <p14:creationId xmlns:p14="http://schemas.microsoft.com/office/powerpoint/2010/main" xmlns="" val="2045916271"/>
       </p:ext>
     </p:extLst>
   </p:cSld>
   <p:clrMapOvr>
     <a:masterClrMapping/>
   </p:clrMapOvr>
+  <p:timing>
+    <p:tnLst>
+      <p:par>
+        <p:cTn id="1" dur="indefinite" restart="never" nodeType="tmRoot"/>
+      </p:par>
+    </p:tnLst>
+  </p:timing>
 </p:sld>
 </file>
 
@@ -13046,13 +13336,20 @@
     </p:spTree>
     <p:extLst>
       <p:ext uri="{BB962C8B-B14F-4D97-AF65-F5344CB8AC3E}">
-        <p14:creationId xmlns:p14="http://schemas.microsoft.com/office/powerpoint/2010/main" val="3444980428"/>
+        <p14:creationId xmlns:p14="http://schemas.microsoft.com/office/powerpoint/2010/main" xmlns="" val="3444980428"/>
       </p:ext>
     </p:extLst>
   </p:cSld>
   <p:clrMapOvr>
     <a:masterClrMapping/>
   </p:clrMapOvr>
+  <p:timing>
+    <p:tnLst>
+      <p:par>
+        <p:cTn id="1" dur="indefinite" restart="never" nodeType="tmRoot"/>
+      </p:par>
+    </p:tnLst>
+  </p:timing>
 </p:sld>
 </file>
 
@@ -13406,13 +13703,20 @@
     </p:spTree>
     <p:extLst>
       <p:ext uri="{BB962C8B-B14F-4D97-AF65-F5344CB8AC3E}">
-        <p14:creationId xmlns:p14="http://schemas.microsoft.com/office/powerpoint/2010/main" val="3903221358"/>
+        <p14:creationId xmlns:p14="http://schemas.microsoft.com/office/powerpoint/2010/main" xmlns="" val="3903221358"/>
       </p:ext>
     </p:extLst>
   </p:cSld>
   <p:clrMapOvr>
     <a:masterClrMapping/>
   </p:clrMapOvr>
+  <p:timing>
+    <p:tnLst>
+      <p:par>
+        <p:cTn id="1" dur="indefinite" restart="never" nodeType="tmRoot"/>
+      </p:par>
+    </p:tnLst>
+  </p:timing>
 </p:sld>
 </file>
 
@@ -13848,13 +14152,20 @@
     </p:spTree>
     <p:extLst>
       <p:ext uri="{BB962C8B-B14F-4D97-AF65-F5344CB8AC3E}">
-        <p14:creationId xmlns:p14="http://schemas.microsoft.com/office/powerpoint/2010/main" val="943720770"/>
+        <p14:creationId xmlns:p14="http://schemas.microsoft.com/office/powerpoint/2010/main" xmlns="" val="943720770"/>
       </p:ext>
     </p:extLst>
   </p:cSld>
   <p:clrMapOvr>
     <a:masterClrMapping/>
   </p:clrMapOvr>
+  <p:timing>
+    <p:tnLst>
+      <p:par>
+        <p:cTn id="1" dur="indefinite" restart="never" nodeType="tmRoot"/>
+      </p:par>
+    </p:tnLst>
+  </p:timing>
 </p:sld>
 </file>
 
@@ -13920,7 +14231,7 @@
           <p:nvPr>
             <p:extLst>
               <p:ext uri="{D42A27DB-BD31-4B8C-83A1-F6EECF244321}">
-                <p14:modId xmlns:p14="http://schemas.microsoft.com/office/powerpoint/2010/main" val="1844458428"/>
+                <p14:modId xmlns:p14="http://schemas.microsoft.com/office/powerpoint/2010/main" xmlns="" val="1844458428"/>
               </p:ext>
             </p:extLst>
           </p:nvPr>
@@ -13939,14 +14250,14 @@
                 <a:gridCol w="3243798">
                   <a:extLst>
                     <a:ext uri="{9D8B030D-6E8A-4147-A177-3AD203B41FA5}">
-                      <a16:colId xmlns:a16="http://schemas.microsoft.com/office/drawing/2014/main" val="4155059560"/>
+                      <a16:colId xmlns:a16="http://schemas.microsoft.com/office/drawing/2014/main" xmlns="" val="4155059560"/>
                     </a:ext>
                   </a:extLst>
                 </a:gridCol>
                 <a:gridCol w="8636475">
                   <a:extLst>
                     <a:ext uri="{9D8B030D-6E8A-4147-A177-3AD203B41FA5}">
-                      <a16:colId xmlns:a16="http://schemas.microsoft.com/office/drawing/2014/main" val="2054191324"/>
+                      <a16:colId xmlns:a16="http://schemas.microsoft.com/office/drawing/2014/main" xmlns="" val="2054191324"/>
                     </a:ext>
                   </a:extLst>
                 </a:gridCol>
@@ -14030,7 +14341,7 @@
                 </a:tc>
                 <a:extLst>
                   <a:ext uri="{0D108BD9-81ED-4DB2-BD59-A6C34878D82A}">
-                    <a16:rowId xmlns:a16="http://schemas.microsoft.com/office/drawing/2014/main" val="3379330195"/>
+                    <a16:rowId xmlns:a16="http://schemas.microsoft.com/office/drawing/2014/main" xmlns="" val="3379330195"/>
                   </a:ext>
                 </a:extLst>
               </a:tr>
@@ -14089,7 +14400,7 @@
                 </a:tc>
                 <a:extLst>
                   <a:ext uri="{0D108BD9-81ED-4DB2-BD59-A6C34878D82A}">
-                    <a16:rowId xmlns:a16="http://schemas.microsoft.com/office/drawing/2014/main" val="3083320506"/>
+                    <a16:rowId xmlns:a16="http://schemas.microsoft.com/office/drawing/2014/main" xmlns="" val="3083320506"/>
                   </a:ext>
                 </a:extLst>
               </a:tr>
@@ -14131,10 +14442,28 @@
                         </a:spcAft>
                       </a:pPr>
                       <a:r>
+                        <a:rPr lang="ko-KR" sz="2400" kern="100" dirty="0" smtClean="0">
+                          <a:effectLst/>
+                        </a:rPr>
+                        <a:t>읽</a:t>
+                      </a:r>
+                      <a:r>
+                        <a:rPr lang="ko-KR" altLang="en-US" sz="2400" kern="100" dirty="0" smtClean="0">
+                          <a:effectLst/>
+                        </a:rPr>
+                        <a:t>기</a:t>
+                      </a:r>
+                      <a:r>
+                        <a:rPr lang="ko-KR" sz="2400" kern="100" dirty="0" smtClean="0">
+                          <a:effectLst/>
+                        </a:rPr>
+                        <a:t> </a:t>
+                      </a:r>
+                      <a:r>
                         <a:rPr lang="ko-KR" sz="2400" kern="100" dirty="0">
                           <a:effectLst/>
                         </a:rPr>
-                        <a:t>읽지 전용 여부 지정</a:t>
+                        <a:t>전용 여부 지정</a:t>
                       </a:r>
                       <a:r>
                         <a:rPr lang="en-US" sz="2400" kern="100" dirty="0">
@@ -14166,7 +14495,7 @@
                 </a:tc>
                 <a:extLst>
                   <a:ext uri="{0D108BD9-81ED-4DB2-BD59-A6C34878D82A}">
-                    <a16:rowId xmlns:a16="http://schemas.microsoft.com/office/drawing/2014/main" val="802420341"/>
+                    <a16:rowId xmlns:a16="http://schemas.microsoft.com/office/drawing/2014/main" xmlns="" val="802420341"/>
                   </a:ext>
                 </a:extLst>
               </a:tr>
@@ -14208,12 +14537,36 @@
                         </a:spcAft>
                       </a:pPr>
                       <a:r>
-                        <a:rPr lang="ko-KR" sz="2400" kern="100">
+                        <a:rPr lang="ko-KR" sz="2400" kern="100" dirty="0">
                           <a:effectLst/>
                         </a:rPr>
-                        <a:t>트랜잭션을 롤백하지 않을 예외 지정</a:t>
-                      </a:r>
-                      <a:endParaRPr lang="ko-KR" sz="2400" kern="100">
+                        <a:t>트랜잭션을 </a:t>
+                      </a:r>
+                      <a:r>
+                        <a:rPr lang="ko-KR" sz="2400" kern="100" dirty="0" smtClean="0">
+                          <a:effectLst/>
+                        </a:rPr>
+                        <a:t>롤백</a:t>
+                      </a:r>
+                      <a:r>
+                        <a:rPr lang="en-US" altLang="ko-KR" sz="2400" kern="100" smtClean="0">
+                          <a:effectLst/>
+                        </a:rPr>
+                        <a:t> </a:t>
+                      </a:r>
+                      <a:r>
+                        <a:rPr lang="ko-KR" sz="2400" kern="100" smtClean="0">
+                          <a:effectLst/>
+                        </a:rPr>
+                        <a:t>하지 </a:t>
+                      </a:r>
+                      <a:r>
+                        <a:rPr lang="ko-KR" sz="2400" kern="100" dirty="0">
+                          <a:effectLst/>
+                        </a:rPr>
+                        <a:t>않을 예외 지정</a:t>
+                      </a:r>
+                      <a:endParaRPr lang="ko-KR" sz="2400" kern="100" dirty="0">
                         <a:effectLst/>
                         <a:latin typeface="맑은 고딕" panose="020B0503020000020004" pitchFamily="50" charset="-127"/>
                         <a:ea typeface="맑은 고딕" panose="020B0503020000020004" pitchFamily="50" charset="-127"/>
@@ -14225,7 +14578,7 @@
                 </a:tc>
                 <a:extLst>
                   <a:ext uri="{0D108BD9-81ED-4DB2-BD59-A6C34878D82A}">
-                    <a16:rowId xmlns:a16="http://schemas.microsoft.com/office/drawing/2014/main" val="2005346934"/>
+                    <a16:rowId xmlns:a16="http://schemas.microsoft.com/office/drawing/2014/main" xmlns="" val="2005346934"/>
                   </a:ext>
                 </a:extLst>
               </a:tr>
@@ -14273,16 +14626,28 @@
                         <a:t>트랜잭션을 </a:t>
                       </a:r>
                       <a:r>
-                        <a:rPr lang="ko-KR" sz="2400" kern="100" dirty="0" err="1">
+                        <a:rPr lang="ko-KR" sz="2400" kern="100" dirty="0" smtClean="0">
                           <a:effectLst/>
                         </a:rPr>
-                        <a:t>롤백할</a:t>
+                        <a:t>롤백</a:t>
+                      </a:r>
+                      <a:r>
+                        <a:rPr lang="en-US" altLang="ko-KR" sz="2400" kern="100" dirty="0" smtClean="0">
+                          <a:effectLst/>
+                        </a:rPr>
+                        <a:t> </a:t>
+                      </a:r>
+                      <a:r>
+                        <a:rPr lang="ko-KR" sz="2400" kern="100" dirty="0" smtClean="0">
+                          <a:effectLst/>
+                        </a:rPr>
+                        <a:t>할 </a:t>
                       </a:r>
                       <a:r>
                         <a:rPr lang="ko-KR" sz="2400" kern="100" dirty="0">
                           <a:effectLst/>
                         </a:rPr>
-                        <a:t> 예외 지정</a:t>
+                        <a:t>예외 지정</a:t>
                       </a:r>
                       <a:endParaRPr lang="ko-KR" sz="2400" kern="100" dirty="0">
                         <a:effectLst/>
@@ -14296,7 +14661,7 @@
                 </a:tc>
                 <a:extLst>
                   <a:ext uri="{0D108BD9-81ED-4DB2-BD59-A6C34878D82A}">
-                    <a16:rowId xmlns:a16="http://schemas.microsoft.com/office/drawing/2014/main" val="842922333"/>
+                    <a16:rowId xmlns:a16="http://schemas.microsoft.com/office/drawing/2014/main" xmlns="" val="842922333"/>
                   </a:ext>
                 </a:extLst>
               </a:tr>
@@ -14307,13 +14672,20 @@
     </p:spTree>
     <p:extLst>
       <p:ext uri="{BB962C8B-B14F-4D97-AF65-F5344CB8AC3E}">
-        <p14:creationId xmlns:p14="http://schemas.microsoft.com/office/powerpoint/2010/main" val="2861729978"/>
+        <p14:creationId xmlns:p14="http://schemas.microsoft.com/office/powerpoint/2010/main" xmlns="" val="2861729978"/>
       </p:ext>
     </p:extLst>
   </p:cSld>
   <p:clrMapOvr>
     <a:masterClrMapping/>
   </p:clrMapOvr>
+  <p:timing>
+    <p:tnLst>
+      <p:par>
+        <p:cTn id="1" dur="indefinite" restart="never" nodeType="tmRoot"/>
+      </p:par>
+    </p:tnLst>
+  </p:timing>
 </p:sld>
 </file>
 
@@ -14820,13 +15192,20 @@
     </p:spTree>
     <p:extLst>
       <p:ext uri="{BB962C8B-B14F-4D97-AF65-F5344CB8AC3E}">
-        <p14:creationId xmlns:p14="http://schemas.microsoft.com/office/powerpoint/2010/main" val="2345414404"/>
+        <p14:creationId xmlns:p14="http://schemas.microsoft.com/office/powerpoint/2010/main" xmlns="" val="2345414404"/>
       </p:ext>
     </p:extLst>
   </p:cSld>
   <p:clrMapOvr>
     <a:masterClrMapping/>
   </p:clrMapOvr>
+  <p:timing>
+    <p:tnLst>
+      <p:par>
+        <p:cTn id="1" dur="indefinite" restart="never" nodeType="tmRoot"/>
+      </p:par>
+    </p:tnLst>
+  </p:timing>
 </p:sld>
 </file>
 
@@ -14895,7 +15274,7 @@
           <a:blip r:embed="rId2">
             <a:extLst>
               <a:ext uri="{28A0092B-C50C-407E-A947-70E740481C1C}">
-                <a14:useLocalDpi xmlns:a14="http://schemas.microsoft.com/office/drawing/2010/main" val="0"/>
+                <a14:useLocalDpi xmlns:a14="http://schemas.microsoft.com/office/drawing/2010/main" xmlns="" val="0"/>
               </a:ext>
             </a:extLst>
           </a:blip>
@@ -14918,14 +15297,14 @@
           </a:ln>
           <a:extLst>
             <a:ext uri="{909E8E84-426E-40DD-AFC4-6F175D3DCCD1}">
-              <a14:hiddenFill xmlns:a14="http://schemas.microsoft.com/office/drawing/2010/main">
+              <a14:hiddenFill xmlns:a14="http://schemas.microsoft.com/office/drawing/2010/main" xmlns="">
                 <a:solidFill>
                   <a:srgbClr val="FFFFFF"/>
                 </a:solidFill>
               </a14:hiddenFill>
             </a:ext>
             <a:ext uri="{91240B29-F687-4F45-9708-019B960494DF}">
-              <a14:hiddenLine xmlns:a14="http://schemas.microsoft.com/office/drawing/2010/main" w="9525">
+              <a14:hiddenLine xmlns:a14="http://schemas.microsoft.com/office/drawing/2010/main" xmlns="" w="9525">
                 <a:solidFill>
                   <a:srgbClr val="000000"/>
                 </a:solidFill>
@@ -14940,13 +15319,20 @@
     </p:spTree>
     <p:extLst>
       <p:ext uri="{BB962C8B-B14F-4D97-AF65-F5344CB8AC3E}">
-        <p14:creationId xmlns:p14="http://schemas.microsoft.com/office/powerpoint/2010/main" val="1671170586"/>
+        <p14:creationId xmlns:p14="http://schemas.microsoft.com/office/powerpoint/2010/main" xmlns="" val="1671170586"/>
       </p:ext>
     </p:extLst>
   </p:cSld>
   <p:clrMapOvr>
     <a:masterClrMapping/>
   </p:clrMapOvr>
+  <p:timing>
+    <p:tnLst>
+      <p:par>
+        <p:cTn id="1" dur="indefinite" restart="never" nodeType="tmRoot"/>
+      </p:par>
+    </p:tnLst>
+  </p:timing>
 </p:sld>
 </file>
 
@@ -15011,13 +15397,20 @@
     </p:spTree>
     <p:extLst>
       <p:ext uri="{BB962C8B-B14F-4D97-AF65-F5344CB8AC3E}">
-        <p14:creationId xmlns:p14="http://schemas.microsoft.com/office/powerpoint/2010/main" val="3679333066"/>
+        <p14:creationId xmlns:p14="http://schemas.microsoft.com/office/powerpoint/2010/main" xmlns="" val="3679333066"/>
       </p:ext>
     </p:extLst>
   </p:cSld>
   <p:clrMapOvr>
     <a:masterClrMapping/>
   </p:clrMapOvr>
+  <p:timing>
+    <p:tnLst>
+      <p:par>
+        <p:cTn id="1" dur="indefinite" restart="never" nodeType="tmRoot"/>
+      </p:par>
+    </p:tnLst>
+  </p:timing>
 </p:sld>
 </file>
 
@@ -15132,13 +15525,20 @@
     </p:spTree>
     <p:extLst>
       <p:ext uri="{BB962C8B-B14F-4D97-AF65-F5344CB8AC3E}">
-        <p14:creationId xmlns:p14="http://schemas.microsoft.com/office/powerpoint/2010/main" val="4214798835"/>
+        <p14:creationId xmlns:p14="http://schemas.microsoft.com/office/powerpoint/2010/main" xmlns="" val="4214798835"/>
       </p:ext>
     </p:extLst>
   </p:cSld>
   <p:clrMapOvr>
     <a:masterClrMapping/>
   </p:clrMapOvr>
+  <p:timing>
+    <p:tnLst>
+      <p:par>
+        <p:cTn id="1" dur="indefinite" restart="never" nodeType="tmRoot"/>
+      </p:par>
+    </p:tnLst>
+  </p:timing>
 </p:sld>
 </file>
 
@@ -15199,13 +15599,20 @@
     </p:spTree>
     <p:extLst>
       <p:ext uri="{BB962C8B-B14F-4D97-AF65-F5344CB8AC3E}">
-        <p14:creationId xmlns:p14="http://schemas.microsoft.com/office/powerpoint/2010/main" val="3857826252"/>
+        <p14:creationId xmlns:p14="http://schemas.microsoft.com/office/powerpoint/2010/main" xmlns="" val="3857826252"/>
       </p:ext>
     </p:extLst>
   </p:cSld>
   <p:clrMapOvr>
     <a:masterClrMapping/>
   </p:clrMapOvr>
+  <p:timing>
+    <p:tnLst>
+      <p:par>
+        <p:cTn id="1" dur="indefinite" restart="never" nodeType="tmRoot"/>
+      </p:par>
+    </p:tnLst>
+  </p:timing>
 </p:sld>
 </file>
 
@@ -15369,7 +15776,7 @@
           <a:blip r:embed="rId2">
             <a:extLst>
               <a:ext uri="{28A0092B-C50C-407E-A947-70E740481C1C}">
-                <a14:useLocalDpi xmlns:a14="http://schemas.microsoft.com/office/drawing/2010/main" val="0"/>
+                <a14:useLocalDpi xmlns:a14="http://schemas.microsoft.com/office/drawing/2010/main" xmlns="" val="0"/>
               </a:ext>
             </a:extLst>
           </a:blip>
@@ -15392,14 +15799,14 @@
           </a:ln>
           <a:extLst>
             <a:ext uri="{909E8E84-426E-40DD-AFC4-6F175D3DCCD1}">
-              <a14:hiddenFill xmlns:a14="http://schemas.microsoft.com/office/drawing/2010/main">
+              <a14:hiddenFill xmlns:a14="http://schemas.microsoft.com/office/drawing/2010/main" xmlns="">
                 <a:solidFill>
                   <a:srgbClr val="FFFFFF"/>
                 </a:solidFill>
               </a14:hiddenFill>
             </a:ext>
             <a:ext uri="{91240B29-F687-4F45-9708-019B960494DF}">
-              <a14:hiddenLine xmlns:a14="http://schemas.microsoft.com/office/drawing/2010/main" w="9525">
+              <a14:hiddenLine xmlns:a14="http://schemas.microsoft.com/office/drawing/2010/main" xmlns="" w="9525">
                 <a:solidFill>
                   <a:srgbClr val="000000"/>
                 </a:solidFill>
@@ -15414,13 +15821,20 @@
     </p:spTree>
     <p:extLst>
       <p:ext uri="{BB962C8B-B14F-4D97-AF65-F5344CB8AC3E}">
-        <p14:creationId xmlns:p14="http://schemas.microsoft.com/office/powerpoint/2010/main" val="3287204620"/>
+        <p14:creationId xmlns:p14="http://schemas.microsoft.com/office/powerpoint/2010/main" xmlns="" val="3287204620"/>
       </p:ext>
     </p:extLst>
   </p:cSld>
   <p:clrMapOvr>
     <a:masterClrMapping/>
   </p:clrMapOvr>
+  <p:timing>
+    <p:tnLst>
+      <p:par>
+        <p:cTn id="1" dur="indefinite" restart="never" nodeType="tmRoot"/>
+      </p:par>
+    </p:tnLst>
+  </p:timing>
 </p:sld>
 </file>
 
@@ -15489,7 +15903,7 @@
           <a:blip r:embed="rId2">
             <a:extLst>
               <a:ext uri="{28A0092B-C50C-407E-A947-70E740481C1C}">
-                <a14:useLocalDpi xmlns:a14="http://schemas.microsoft.com/office/drawing/2010/main" val="0"/>
+                <a14:useLocalDpi xmlns:a14="http://schemas.microsoft.com/office/drawing/2010/main" xmlns="" val="0"/>
               </a:ext>
             </a:extLst>
           </a:blip>
@@ -15512,14 +15926,14 @@
           </a:ln>
           <a:extLst>
             <a:ext uri="{909E8E84-426E-40DD-AFC4-6F175D3DCCD1}">
-              <a14:hiddenFill xmlns:a14="http://schemas.microsoft.com/office/drawing/2010/main">
+              <a14:hiddenFill xmlns:a14="http://schemas.microsoft.com/office/drawing/2010/main" xmlns="">
                 <a:solidFill>
                   <a:srgbClr val="FFFFFF"/>
                 </a:solidFill>
               </a14:hiddenFill>
             </a:ext>
             <a:ext uri="{91240B29-F687-4F45-9708-019B960494DF}">
-              <a14:hiddenLine xmlns:a14="http://schemas.microsoft.com/office/drawing/2010/main" w="9525">
+              <a14:hiddenLine xmlns:a14="http://schemas.microsoft.com/office/drawing/2010/main" xmlns="" w="9525">
                 <a:solidFill>
                   <a:srgbClr val="000000"/>
                 </a:solidFill>
@@ -15534,13 +15948,20 @@
     </p:spTree>
     <p:extLst>
       <p:ext uri="{BB962C8B-B14F-4D97-AF65-F5344CB8AC3E}">
-        <p14:creationId xmlns:p14="http://schemas.microsoft.com/office/powerpoint/2010/main" val="1959120886"/>
+        <p14:creationId xmlns:p14="http://schemas.microsoft.com/office/powerpoint/2010/main" xmlns="" val="1959120886"/>
       </p:ext>
     </p:extLst>
   </p:cSld>
   <p:clrMapOvr>
     <a:masterClrMapping/>
   </p:clrMapOvr>
+  <p:timing>
+    <p:tnLst>
+      <p:par>
+        <p:cTn id="1" dur="indefinite" restart="never" nodeType="tmRoot"/>
+      </p:par>
+    </p:tnLst>
+  </p:timing>
 </p:sld>
 </file>
 
@@ -15587,7 +16008,7 @@
     </a:clrScheme>
     <a:fontScheme name="Office">
       <a:majorFont>
-        <a:latin typeface="맑은 고딕" panose="020F0302020204030204"/>
+        <a:latin typeface="맑은 고딕"/>
         <a:ea typeface=""/>
         <a:cs typeface=""/>
         <a:font script="Jpan" typeface="游ゴシック Light"/>
@@ -15622,7 +16043,7 @@
         <a:font script="Geor" typeface="Sylfaen"/>
       </a:majorFont>
       <a:minorFont>
-        <a:latin typeface="맑은 고딕" panose="020F0502020204030204"/>
+        <a:latin typeface="맑은 고딕"/>
         <a:ea typeface=""/>
         <a:cs typeface=""/>
         <a:font script="Jpan" typeface="游ゴシック"/>
@@ -15799,7 +16220,7 @@
   <a:extraClrSchemeLst/>
   <a:extLst>
     <a:ext uri="{05A4C25C-085E-4340-85A3-A5531E510DB2}">
-      <thm15:themeFamily xmlns:thm15="http://schemas.microsoft.com/office/thememl/2012/main" name="Office Theme" id="{62F939B6-93AF-4DB8-9C6B-D6C7DFDC589F}" vid="{4A3C46E8-61CC-4603-A589-7422A47A8E4A}"/>
+      <thm15:themeFamily xmlns:thm15="http://schemas.microsoft.com/office/thememl/2012/main" xmlns="" name="Office Theme" id="{62F939B6-93AF-4DB8-9C6B-D6C7DFDC589F}" vid="{4A3C46E8-61CC-4603-A589-7422A47A8E4A}"/>
     </a:ext>
   </a:extLst>
 </a:theme>
